--- a/Lecture Slides/COACH A03 - The First Team Meeting.pptx
+++ b/Lecture Slides/COACH A03 - The First Team Meeting.pptx
@@ -16,6 +16,7 @@
     <p:sldId id="261" r:id="rId11"/>
     <p:sldId id="262" r:id="rId12"/>
     <p:sldId id="263" r:id="rId13"/>
+    <p:sldId id="264" r:id="rId14"/>
   </p:sldIdLst>
   <p:sldSz cy="5143500" cx="9144000"/>
   <p:notesSz cx="6858000" cy="9144000"/>
@@ -698,7 +699,7 @@
   <p:cSld>
     <p:spTree>
       <p:nvGrpSpPr>
-        <p:cNvPr id="32" name="Shape 32"/>
+        <p:cNvPr id="47" name="Shape 47"/>
         <p:cNvGrpSpPr/>
         <p:nvPr/>
       </p:nvGrpSpPr>
@@ -712,7 +713,7 @@
       </p:grpSpPr>
       <p:sp>
         <p:nvSpPr>
-          <p:cNvPr id="33" name="Google Shape;33;p:notes"/>
+          <p:cNvPr id="48" name="Google Shape;48;p:notes"/>
           <p:cNvSpPr/>
           <p:nvPr>
             <p:ph idx="2" type="sldImg"/>
@@ -747,7 +748,7 @@
       </p:sp>
       <p:sp>
         <p:nvSpPr>
-          <p:cNvPr id="34" name="Google Shape;34;p:notes"/>
+          <p:cNvPr id="49" name="Google Shape;49;p:notes"/>
           <p:cNvSpPr txBox="1"/>
           <p:nvPr>
             <p:ph idx="1" type="body"/>
@@ -797,7 +798,7 @@
   <p:cSld>
     <p:spTree>
       <p:nvGrpSpPr>
-        <p:cNvPr id="38" name="Shape 38"/>
+        <p:cNvPr id="53" name="Shape 53"/>
         <p:cNvGrpSpPr/>
         <p:nvPr/>
       </p:nvGrpSpPr>
@@ -811,7 +812,7 @@
       </p:grpSpPr>
       <p:sp>
         <p:nvSpPr>
-          <p:cNvPr id="39" name="Google Shape;39;gf17014c61d_0_0:notes"/>
+          <p:cNvPr id="54" name="Google Shape;54;gf17014c61d_0_0:notes"/>
           <p:cNvSpPr/>
           <p:nvPr>
             <p:ph idx="2" type="sldImg"/>
@@ -846,7 +847,7 @@
       </p:sp>
       <p:sp>
         <p:nvSpPr>
-          <p:cNvPr id="40" name="Google Shape;40;gf17014c61d_0_0:notes"/>
+          <p:cNvPr id="55" name="Google Shape;55;gf17014c61d_0_0:notes"/>
           <p:cNvSpPr txBox="1"/>
           <p:nvPr>
             <p:ph idx="1" type="body"/>
@@ -896,7 +897,7 @@
   <p:cSld>
     <p:spTree>
       <p:nvGrpSpPr>
-        <p:cNvPr id="45" name="Shape 45"/>
+        <p:cNvPr id="60" name="Shape 60"/>
         <p:cNvGrpSpPr/>
         <p:nvPr/>
       </p:nvGrpSpPr>
@@ -910,7 +911,7 @@
       </p:grpSpPr>
       <p:sp>
         <p:nvSpPr>
-          <p:cNvPr id="46" name="Google Shape;46;g34c0a2a71a9_0_12:notes"/>
+          <p:cNvPr id="61" name="Google Shape;61;g34c0a2a71a9_0_12:notes"/>
           <p:cNvSpPr/>
           <p:nvPr>
             <p:ph idx="2" type="sldImg"/>
@@ -945,7 +946,7 @@
       </p:sp>
       <p:sp>
         <p:nvSpPr>
-          <p:cNvPr id="47" name="Google Shape;47;g34c0a2a71a9_0_12:notes"/>
+          <p:cNvPr id="62" name="Google Shape;62;g34c0a2a71a9_0_12:notes"/>
           <p:cNvSpPr txBox="1"/>
           <p:nvPr>
             <p:ph idx="1" type="body"/>
@@ -995,7 +996,7 @@
   <p:cSld>
     <p:spTree>
       <p:nvGrpSpPr>
-        <p:cNvPr id="52" name="Shape 52"/>
+        <p:cNvPr id="67" name="Shape 67"/>
         <p:cNvGrpSpPr/>
         <p:nvPr/>
       </p:nvGrpSpPr>
@@ -1009,7 +1010,7 @@
       </p:grpSpPr>
       <p:sp>
         <p:nvSpPr>
-          <p:cNvPr id="53" name="Google Shape;53;g34c0a2a71a9_0_6:notes"/>
+          <p:cNvPr id="68" name="Google Shape;68;g34c0a2a71a9_0_6:notes"/>
           <p:cNvSpPr/>
           <p:nvPr>
             <p:ph idx="2" type="sldImg"/>
@@ -1044,7 +1045,7 @@
       </p:sp>
       <p:sp>
         <p:nvSpPr>
-          <p:cNvPr id="54" name="Google Shape;54;g34c0a2a71a9_0_6:notes"/>
+          <p:cNvPr id="69" name="Google Shape;69;g34c0a2a71a9_0_6:notes"/>
           <p:cNvSpPr txBox="1"/>
           <p:nvPr>
             <p:ph idx="1" type="body"/>
@@ -1094,7 +1095,7 @@
   <p:cSld>
     <p:spTree>
       <p:nvGrpSpPr>
-        <p:cNvPr id="59" name="Shape 59"/>
+        <p:cNvPr id="74" name="Shape 74"/>
         <p:cNvGrpSpPr/>
         <p:nvPr/>
       </p:nvGrpSpPr>
@@ -1108,7 +1109,7 @@
       </p:grpSpPr>
       <p:sp>
         <p:nvSpPr>
-          <p:cNvPr id="60" name="Google Shape;60;g34c0a2a71a9_0_0:notes"/>
+          <p:cNvPr id="75" name="Google Shape;75;g34c0a2a71a9_0_0:notes"/>
           <p:cNvSpPr/>
           <p:nvPr>
             <p:ph idx="2" type="sldImg"/>
@@ -1143,7 +1144,7 @@
       </p:sp>
       <p:sp>
         <p:nvSpPr>
-          <p:cNvPr id="61" name="Google Shape;61;g34c0a2a71a9_0_0:notes"/>
+          <p:cNvPr id="76" name="Google Shape;76;g34c0a2a71a9_0_0:notes"/>
           <p:cNvSpPr txBox="1"/>
           <p:nvPr>
             <p:ph idx="1" type="body"/>
@@ -1193,7 +1194,7 @@
   <p:cSld>
     <p:spTree>
       <p:nvGrpSpPr>
-        <p:cNvPr id="66" name="Shape 66"/>
+        <p:cNvPr id="81" name="Shape 81"/>
         <p:cNvGrpSpPr/>
         <p:nvPr/>
       </p:nvGrpSpPr>
@@ -1207,7 +1208,7 @@
       </p:grpSpPr>
       <p:sp>
         <p:nvSpPr>
-          <p:cNvPr id="67" name="Google Shape;67;gf17014c61d_0_5:notes"/>
+          <p:cNvPr id="82" name="Google Shape;82;g34cdb111f64_0_0:notes"/>
           <p:cNvSpPr/>
           <p:nvPr>
             <p:ph idx="2" type="sldImg"/>
@@ -1242,7 +1243,7 @@
       </p:sp>
       <p:sp>
         <p:nvSpPr>
-          <p:cNvPr id="68" name="Google Shape;68;gf17014c61d_0_5:notes"/>
+          <p:cNvPr id="83" name="Google Shape;83;g34cdb111f64_0_0:notes"/>
           <p:cNvSpPr txBox="1"/>
           <p:nvPr>
             <p:ph idx="1" type="body"/>
@@ -1292,7 +1293,7 @@
   <p:cSld>
     <p:spTree>
       <p:nvGrpSpPr>
-        <p:cNvPr id="72" name="Shape 72"/>
+        <p:cNvPr id="88" name="Shape 88"/>
         <p:cNvGrpSpPr/>
         <p:nvPr/>
       </p:nvGrpSpPr>
@@ -1306,7 +1307,7 @@
       </p:grpSpPr>
       <p:sp>
         <p:nvSpPr>
-          <p:cNvPr id="73" name="Google Shape;73;g10e0e96056a_0_0:notes"/>
+          <p:cNvPr id="89" name="Google Shape;89;gf17014c61d_0_5:notes"/>
           <p:cNvSpPr/>
           <p:nvPr>
             <p:ph idx="2" type="sldImg"/>
@@ -1341,7 +1342,7 @@
       </p:sp>
       <p:sp>
         <p:nvSpPr>
-          <p:cNvPr id="74" name="Google Shape;74;g10e0e96056a_0_0:notes"/>
+          <p:cNvPr id="90" name="Google Shape;90;gf17014c61d_0_5:notes"/>
           <p:cNvSpPr txBox="1"/>
           <p:nvPr>
             <p:ph idx="1" type="body"/>
@@ -1391,7 +1392,7 @@
   <p:cSld>
     <p:spTree>
       <p:nvGrpSpPr>
-        <p:cNvPr id="80" name="Shape 80"/>
+        <p:cNvPr id="94" name="Shape 94"/>
         <p:cNvGrpSpPr/>
         <p:nvPr/>
       </p:nvGrpSpPr>
@@ -1405,7 +1406,7 @@
       </p:grpSpPr>
       <p:sp>
         <p:nvSpPr>
-          <p:cNvPr id="81" name="Google Shape;81;gf17014c61d_0_11:notes"/>
+          <p:cNvPr id="95" name="Google Shape;95;g10e0e96056a_0_0:notes"/>
           <p:cNvSpPr/>
           <p:nvPr>
             <p:ph idx="2" type="sldImg"/>
@@ -1440,7 +1441,106 @@
       </p:sp>
       <p:sp>
         <p:nvSpPr>
-          <p:cNvPr id="82" name="Google Shape;82;gf17014c61d_0_11:notes"/>
+          <p:cNvPr id="96" name="Google Shape;96;g10e0e96056a_0_0:notes"/>
+          <p:cNvSpPr txBox="1"/>
+          <p:nvPr>
+            <p:ph idx="1" type="body"/>
+          </p:nvPr>
+        </p:nvSpPr>
+        <p:spPr>
+          <a:xfrm>
+            <a:off x="685800" y="4343400"/>
+            <a:ext cx="5486400" cy="4114800"/>
+          </a:xfrm>
+          <a:prstGeom prst="rect">
+            <a:avLst/>
+          </a:prstGeom>
+        </p:spPr>
+        <p:txBody>
+          <a:bodyPr anchorCtr="0" anchor="t" bIns="91425" lIns="91425" spcFirstLastPara="1" rIns="91425" wrap="square" tIns="91425">
+            <a:noAutofit/>
+          </a:bodyPr>
+          <a:lstStyle/>
+          <a:p>
+            <a:pPr indent="0" lvl="0" marL="0" rtl="0" algn="l">
+              <a:spcBef>
+                <a:spcPts val="0"/>
+              </a:spcBef>
+              <a:spcAft>
+                <a:spcPts val="0"/>
+              </a:spcAft>
+              <a:buNone/>
+            </a:pPr>
+            <a:r>
+              <a:t/>
+            </a:r>
+            <a:endParaRPr/>
+          </a:p>
+        </p:txBody>
+      </p:sp>
+    </p:spTree>
+  </p:cSld>
+  <p:clrMapOvr>
+    <a:masterClrMapping/>
+  </p:clrMapOvr>
+</p:notes>
+</file>
+
+<file path=ppt/notesSlides/notesSlide9.xml><?xml version="1.0" encoding="utf-8"?>
+<p:notes xmlns:a="http://schemas.openxmlformats.org/drawingml/2006/main" xmlns:r="http://schemas.openxmlformats.org/officeDocument/2006/relationships" xmlns:mc="http://schemas.openxmlformats.org/markup-compatibility/2006" xmlns:mv="urn:schemas-microsoft-com:mac:vml" xmlns:p="http://schemas.openxmlformats.org/presentationml/2006/main" xmlns:c="http://schemas.openxmlformats.org/drawingml/2006/chart" xmlns:dgm="http://schemas.openxmlformats.org/drawingml/2006/diagram" xmlns:o="urn:schemas-microsoft-com:office:office" xmlns:v="urn:schemas-microsoft-com:vml" xmlns:pvml="urn:schemas-microsoft-com:office:powerpoint" xmlns:com="http://schemas.openxmlformats.org/drawingml/2006/compatibility" xmlns:p14="http://schemas.microsoft.com/office/powerpoint/2010/main" xmlns:p15="http://schemas.microsoft.com/office/powerpoint/2012/main" xmlns:ahyp="http://schemas.microsoft.com/office/drawing/2018/hyperlinkcolor" showMasterPhAnim="0" showMasterSp="0">
+  <p:cSld>
+    <p:spTree>
+      <p:nvGrpSpPr>
+        <p:cNvPr id="102" name="Shape 102"/>
+        <p:cNvGrpSpPr/>
+        <p:nvPr/>
+      </p:nvGrpSpPr>
+      <p:grpSpPr>
+        <a:xfrm>
+          <a:off x="0" y="0"/>
+          <a:ext cx="0" cy="0"/>
+          <a:chOff x="0" y="0"/>
+          <a:chExt cx="0" cy="0"/>
+        </a:xfrm>
+      </p:grpSpPr>
+      <p:sp>
+        <p:nvSpPr>
+          <p:cNvPr id="103" name="Google Shape;103;gf17014c61d_0_11:notes"/>
+          <p:cNvSpPr/>
+          <p:nvPr>
+            <p:ph idx="2" type="sldImg"/>
+          </p:nvPr>
+        </p:nvSpPr>
+        <p:spPr>
+          <a:xfrm>
+            <a:off x="381300" y="685800"/>
+            <a:ext cx="6096000" cy="3429000"/>
+          </a:xfrm>
+          <a:custGeom>
+            <a:rect b="b" l="l" r="r" t="t"/>
+            <a:pathLst>
+              <a:path extrusionOk="0" h="120000" w="120000">
+                <a:moveTo>
+                  <a:pt x="0" y="0"/>
+                </a:moveTo>
+                <a:lnTo>
+                  <a:pt x="120000" y="0"/>
+                </a:lnTo>
+                <a:lnTo>
+                  <a:pt x="120000" y="120000"/>
+                </a:lnTo>
+                <a:lnTo>
+                  <a:pt x="0" y="120000"/>
+                </a:lnTo>
+                <a:close/>
+              </a:path>
+            </a:pathLst>
+          </a:custGeom>
+        </p:spPr>
+      </p:sp>
+      <p:sp>
+        <p:nvSpPr>
+          <p:cNvPr id="104" name="Google Shape;104;gf17014c61d_0_11:notes"/>
           <p:cNvSpPr txBox="1"/>
           <p:nvPr>
             <p:ph idx="1" type="body"/>
@@ -1787,49 +1887,150 @@
           <a:p/>
         </p:txBody>
       </p:sp>
-      <p:sp>
-        <p:nvSpPr>
+      <p:grpSp>
+        <p:nvGrpSpPr>
           <p:cNvPr id="12" name="Google Shape;12;p2"/>
-          <p:cNvSpPr/>
+          <p:cNvGrpSpPr/>
           <p:nvPr/>
-        </p:nvSpPr>
-        <p:spPr>
+        </p:nvGrpSpPr>
+        <p:grpSpPr>
           <a:xfrm>
             <a:off x="0" y="2388810"/>
             <a:ext cx="9144000" cy="183000"/>
+            <a:chOff x="0" y="2388810"/>
+            <a:chExt cx="9144000" cy="183000"/>
           </a:xfrm>
-          <a:prstGeom prst="rect">
-            <a:avLst/>
-          </a:prstGeom>
-          <a:solidFill>
-            <a:schemeClr val="accent6"/>
-          </a:solidFill>
-          <a:ln>
-            <a:noFill/>
-          </a:ln>
-        </p:spPr>
-        <p:txBody>
-          <a:bodyPr anchorCtr="0" anchor="ctr" bIns="91425" lIns="91425" spcFirstLastPara="1" rIns="91425" wrap="square" tIns="91425">
-            <a:noAutofit/>
-          </a:bodyPr>
-          <a:lstStyle/>
-          <a:p>
-            <a:pPr indent="0" lvl="0" marL="0" rtl="0" algn="l">
-              <a:spcBef>
-                <a:spcPts val="0"/>
-              </a:spcBef>
-              <a:spcAft>
-                <a:spcPts val="0"/>
-              </a:spcAft>
-              <a:buNone/>
-            </a:pPr>
-            <a:r>
-              <a:t/>
-            </a:r>
-            <a:endParaRPr/>
-          </a:p>
-        </p:txBody>
-      </p:sp>
+        </p:grpSpPr>
+        <p:sp>
+          <p:nvSpPr>
+            <p:cNvPr id="13" name="Google Shape;13;p2"/>
+            <p:cNvSpPr/>
+            <p:nvPr/>
+          </p:nvSpPr>
+          <p:spPr>
+            <a:xfrm>
+              <a:off x="0" y="2388810"/>
+              <a:ext cx="914400" cy="183000"/>
+            </a:xfrm>
+            <a:prstGeom prst="rect">
+              <a:avLst/>
+            </a:prstGeom>
+            <a:solidFill>
+              <a:schemeClr val="accent2"/>
+            </a:solidFill>
+            <a:ln>
+              <a:noFill/>
+            </a:ln>
+          </p:spPr>
+          <p:txBody>
+            <a:bodyPr anchorCtr="0" anchor="ctr" bIns="91425" lIns="91425" spcFirstLastPara="1" rIns="91425" wrap="square" tIns="91425">
+              <a:noAutofit/>
+            </a:bodyPr>
+            <a:lstStyle/>
+            <a:p>
+              <a:pPr indent="0" lvl="0" marL="0" rtl="0" algn="l">
+                <a:spcBef>
+                  <a:spcPts val="0"/>
+                </a:spcBef>
+                <a:spcAft>
+                  <a:spcPts val="0"/>
+                </a:spcAft>
+                <a:buNone/>
+              </a:pPr>
+              <a:r>
+                <a:t/>
+              </a:r>
+              <a:endParaRPr/>
+            </a:p>
+          </p:txBody>
+        </p:sp>
+        <p:sp>
+          <p:nvSpPr>
+            <p:cNvPr id="14" name="Google Shape;14;p2"/>
+            <p:cNvSpPr/>
+            <p:nvPr/>
+          </p:nvSpPr>
+          <p:spPr>
+            <a:xfrm>
+              <a:off x="914400" y="2388810"/>
+              <a:ext cx="1828800" cy="183000"/>
+            </a:xfrm>
+            <a:prstGeom prst="rect">
+              <a:avLst/>
+            </a:prstGeom>
+            <a:solidFill>
+              <a:schemeClr val="accent3"/>
+            </a:solidFill>
+            <a:ln>
+              <a:noFill/>
+            </a:ln>
+          </p:spPr>
+          <p:txBody>
+            <a:bodyPr anchorCtr="0" anchor="ctr" bIns="91425" lIns="91425" spcFirstLastPara="1" rIns="91425" wrap="square" tIns="91425">
+              <a:noAutofit/>
+            </a:bodyPr>
+            <a:lstStyle/>
+            <a:p>
+              <a:pPr indent="0" lvl="0" marL="0" rtl="0" algn="l">
+                <a:spcBef>
+                  <a:spcPts val="0"/>
+                </a:spcBef>
+                <a:spcAft>
+                  <a:spcPts val="0"/>
+                </a:spcAft>
+                <a:buNone/>
+              </a:pPr>
+              <a:r>
+                <a:t/>
+              </a:r>
+              <a:endParaRPr/>
+            </a:p>
+          </p:txBody>
+        </p:sp>
+        <p:sp>
+          <p:nvSpPr>
+            <p:cNvPr id="15" name="Google Shape;15;p2"/>
+            <p:cNvSpPr/>
+            <p:nvPr/>
+          </p:nvSpPr>
+          <p:spPr>
+            <a:xfrm>
+              <a:off x="2743200" y="2388810"/>
+              <a:ext cx="6400800" cy="183000"/>
+            </a:xfrm>
+            <a:prstGeom prst="rect">
+              <a:avLst/>
+            </a:prstGeom>
+            <a:solidFill>
+              <a:schemeClr val="accent4"/>
+            </a:solidFill>
+            <a:ln>
+              <a:noFill/>
+            </a:ln>
+          </p:spPr>
+          <p:txBody>
+            <a:bodyPr anchorCtr="0" anchor="ctr" bIns="91425" lIns="91425" spcFirstLastPara="1" rIns="91425" wrap="square" tIns="91425">
+              <a:noAutofit/>
+            </a:bodyPr>
+            <a:lstStyle/>
+            <a:p>
+              <a:pPr indent="0" lvl="0" marL="0" rtl="0" algn="l">
+                <a:spcBef>
+                  <a:spcPts val="0"/>
+                </a:spcBef>
+                <a:spcAft>
+                  <a:spcPts val="0"/>
+                </a:spcAft>
+                <a:buNone/>
+              </a:pPr>
+              <a:r>
+                <a:t/>
+              </a:r>
+              <a:endParaRPr/>
+            </a:p>
+          </p:txBody>
+        </p:sp>
+      </p:grpSp>
     </p:spTree>
   </p:cSld>
   <p:clrMapOvr>
@@ -1843,7 +2044,7 @@
   <p:cSld name="SECTION_HEADER">
     <p:spTree>
       <p:nvGrpSpPr>
-        <p:cNvPr id="13" name="Shape 13"/>
+        <p:cNvPr id="16" name="Shape 16"/>
         <p:cNvGrpSpPr/>
         <p:nvPr/>
       </p:nvGrpSpPr>
@@ -1857,7 +2058,7 @@
       </p:grpSpPr>
       <p:sp>
         <p:nvSpPr>
-          <p:cNvPr id="14" name="Google Shape;14;p3"/>
+          <p:cNvPr id="17" name="Google Shape;17;p3"/>
           <p:cNvSpPr txBox="1"/>
           <p:nvPr>
             <p:ph type="title"/>
@@ -1980,49 +2181,150 @@
           <a:p/>
         </p:txBody>
       </p:sp>
-      <p:sp>
-        <p:nvSpPr>
-          <p:cNvPr id="15" name="Google Shape;15;p3"/>
-          <p:cNvSpPr/>
+      <p:grpSp>
+        <p:nvGrpSpPr>
+          <p:cNvPr id="18" name="Google Shape;18;p3"/>
+          <p:cNvGrpSpPr/>
           <p:nvPr/>
-        </p:nvSpPr>
-        <p:spPr>
+        </p:nvGrpSpPr>
+        <p:grpSpPr>
           <a:xfrm>
-            <a:off x="0" y="2386584"/>
+            <a:off x="0" y="2432304"/>
             <a:ext cx="9144000" cy="91500"/>
+            <a:chOff x="0" y="2386584"/>
+            <a:chExt cx="9144000" cy="91500"/>
           </a:xfrm>
-          <a:prstGeom prst="rect">
-            <a:avLst/>
-          </a:prstGeom>
-          <a:solidFill>
-            <a:schemeClr val="accent6"/>
-          </a:solidFill>
-          <a:ln>
-            <a:noFill/>
-          </a:ln>
-        </p:spPr>
-        <p:txBody>
-          <a:bodyPr anchorCtr="0" anchor="ctr" bIns="91425" lIns="91425" spcFirstLastPara="1" rIns="91425" wrap="square" tIns="91425">
-            <a:noAutofit/>
-          </a:bodyPr>
-          <a:lstStyle/>
-          <a:p>
-            <a:pPr indent="0" lvl="0" marL="0" rtl="0" algn="l">
-              <a:spcBef>
-                <a:spcPts val="0"/>
-              </a:spcBef>
-              <a:spcAft>
-                <a:spcPts val="0"/>
-              </a:spcAft>
-              <a:buNone/>
-            </a:pPr>
-            <a:r>
-              <a:t/>
-            </a:r>
-            <a:endParaRPr/>
-          </a:p>
-        </p:txBody>
-      </p:sp>
+        </p:grpSpPr>
+        <p:sp>
+          <p:nvSpPr>
+            <p:cNvPr id="19" name="Google Shape;19;p3"/>
+            <p:cNvSpPr/>
+            <p:nvPr/>
+          </p:nvSpPr>
+          <p:spPr>
+            <a:xfrm>
+              <a:off x="0" y="2386584"/>
+              <a:ext cx="914400" cy="91500"/>
+            </a:xfrm>
+            <a:prstGeom prst="rect">
+              <a:avLst/>
+            </a:prstGeom>
+            <a:solidFill>
+              <a:schemeClr val="accent2"/>
+            </a:solidFill>
+            <a:ln>
+              <a:noFill/>
+            </a:ln>
+          </p:spPr>
+          <p:txBody>
+            <a:bodyPr anchorCtr="0" anchor="ctr" bIns="91425" lIns="91425" spcFirstLastPara="1" rIns="91425" wrap="square" tIns="91425">
+              <a:noAutofit/>
+            </a:bodyPr>
+            <a:lstStyle/>
+            <a:p>
+              <a:pPr indent="0" lvl="0" marL="0" rtl="0" algn="l">
+                <a:spcBef>
+                  <a:spcPts val="0"/>
+                </a:spcBef>
+                <a:spcAft>
+                  <a:spcPts val="0"/>
+                </a:spcAft>
+                <a:buNone/>
+              </a:pPr>
+              <a:r>
+                <a:t/>
+              </a:r>
+              <a:endParaRPr/>
+            </a:p>
+          </p:txBody>
+        </p:sp>
+        <p:sp>
+          <p:nvSpPr>
+            <p:cNvPr id="20" name="Google Shape;20;p3"/>
+            <p:cNvSpPr/>
+            <p:nvPr/>
+          </p:nvSpPr>
+          <p:spPr>
+            <a:xfrm>
+              <a:off x="914400" y="2386584"/>
+              <a:ext cx="1828800" cy="91500"/>
+            </a:xfrm>
+            <a:prstGeom prst="rect">
+              <a:avLst/>
+            </a:prstGeom>
+            <a:solidFill>
+              <a:schemeClr val="accent3"/>
+            </a:solidFill>
+            <a:ln>
+              <a:noFill/>
+            </a:ln>
+          </p:spPr>
+          <p:txBody>
+            <a:bodyPr anchorCtr="0" anchor="ctr" bIns="91425" lIns="91425" spcFirstLastPara="1" rIns="91425" wrap="square" tIns="91425">
+              <a:noAutofit/>
+            </a:bodyPr>
+            <a:lstStyle/>
+            <a:p>
+              <a:pPr indent="0" lvl="0" marL="0" rtl="0" algn="l">
+                <a:spcBef>
+                  <a:spcPts val="0"/>
+                </a:spcBef>
+                <a:spcAft>
+                  <a:spcPts val="0"/>
+                </a:spcAft>
+                <a:buNone/>
+              </a:pPr>
+              <a:r>
+                <a:t/>
+              </a:r>
+              <a:endParaRPr/>
+            </a:p>
+          </p:txBody>
+        </p:sp>
+        <p:sp>
+          <p:nvSpPr>
+            <p:cNvPr id="21" name="Google Shape;21;p3"/>
+            <p:cNvSpPr/>
+            <p:nvPr/>
+          </p:nvSpPr>
+          <p:spPr>
+            <a:xfrm>
+              <a:off x="2743200" y="2386584"/>
+              <a:ext cx="6400800" cy="91500"/>
+            </a:xfrm>
+            <a:prstGeom prst="rect">
+              <a:avLst/>
+            </a:prstGeom>
+            <a:solidFill>
+              <a:schemeClr val="accent4"/>
+            </a:solidFill>
+            <a:ln>
+              <a:noFill/>
+            </a:ln>
+          </p:spPr>
+          <p:txBody>
+            <a:bodyPr anchorCtr="0" anchor="ctr" bIns="91425" lIns="91425" spcFirstLastPara="1" rIns="91425" wrap="square" tIns="91425">
+              <a:noAutofit/>
+            </a:bodyPr>
+            <a:lstStyle/>
+            <a:p>
+              <a:pPr indent="0" lvl="0" marL="0" rtl="0" algn="l">
+                <a:spcBef>
+                  <a:spcPts val="0"/>
+                </a:spcBef>
+                <a:spcAft>
+                  <a:spcPts val="0"/>
+                </a:spcAft>
+                <a:buNone/>
+              </a:pPr>
+              <a:r>
+                <a:t/>
+              </a:r>
+              <a:endParaRPr/>
+            </a:p>
+          </p:txBody>
+        </p:sp>
+      </p:grpSp>
     </p:spTree>
   </p:cSld>
   <p:clrMapOvr>
@@ -2036,7 +2338,7 @@
   <p:cSld name="TITLE_AND_BODY">
     <p:spTree>
       <p:nvGrpSpPr>
-        <p:cNvPr id="16" name="Shape 16"/>
+        <p:cNvPr id="22" name="Shape 22"/>
         <p:cNvGrpSpPr/>
         <p:nvPr/>
       </p:nvGrpSpPr>
@@ -2050,7 +2352,7 @@
       </p:grpSpPr>
       <p:sp>
         <p:nvSpPr>
-          <p:cNvPr id="17" name="Google Shape;17;p4"/>
+          <p:cNvPr id="23" name="Google Shape;23;p4"/>
           <p:cNvSpPr txBox="1"/>
           <p:nvPr>
             <p:ph type="title"/>
@@ -2175,7 +2477,7 @@
       </p:sp>
       <p:sp>
         <p:nvSpPr>
-          <p:cNvPr id="18" name="Google Shape;18;p4"/>
+          <p:cNvPr id="24" name="Google Shape;24;p4"/>
           <p:cNvSpPr txBox="1"/>
           <p:nvPr>
             <p:ph idx="1" type="body"/>
@@ -2300,7 +2602,7 @@
       </p:sp>
       <p:sp>
         <p:nvSpPr>
-          <p:cNvPr id="19" name="Google Shape;19;p4"/>
+          <p:cNvPr id="25" name="Google Shape;25;p4"/>
           <p:cNvSpPr txBox="1"/>
           <p:nvPr>
             <p:ph idx="12" type="sldNum"/>
@@ -2320,7 +2622,7 @@
             <a:noAutofit/>
           </a:bodyPr>
           <a:lstStyle>
-            <a:lvl1pPr lvl="0">
+            <a:lvl1pPr lvl="0" rtl="0">
               <a:buNone/>
               <a:defRPr>
                 <a:solidFill>
@@ -2328,7 +2630,7 @@
                 </a:solidFill>
               </a:defRPr>
             </a:lvl1pPr>
-            <a:lvl2pPr lvl="1">
+            <a:lvl2pPr lvl="1" rtl="0">
               <a:buNone/>
               <a:defRPr>
                 <a:solidFill>
@@ -2336,7 +2638,7 @@
                 </a:solidFill>
               </a:defRPr>
             </a:lvl2pPr>
-            <a:lvl3pPr lvl="2">
+            <a:lvl3pPr lvl="2" rtl="0">
               <a:buNone/>
               <a:defRPr>
                 <a:solidFill>
@@ -2344,7 +2646,7 @@
                 </a:solidFill>
               </a:defRPr>
             </a:lvl3pPr>
-            <a:lvl4pPr lvl="3">
+            <a:lvl4pPr lvl="3" rtl="0">
               <a:buNone/>
               <a:defRPr>
                 <a:solidFill>
@@ -2352,7 +2654,7 @@
                 </a:solidFill>
               </a:defRPr>
             </a:lvl4pPr>
-            <a:lvl5pPr lvl="4">
+            <a:lvl5pPr lvl="4" rtl="0">
               <a:buNone/>
               <a:defRPr>
                 <a:solidFill>
@@ -2360,7 +2662,7 @@
                 </a:solidFill>
               </a:defRPr>
             </a:lvl5pPr>
-            <a:lvl6pPr lvl="5">
+            <a:lvl6pPr lvl="5" rtl="0">
               <a:buNone/>
               <a:defRPr>
                 <a:solidFill>
@@ -2368,7 +2670,7 @@
                 </a:solidFill>
               </a:defRPr>
             </a:lvl6pPr>
-            <a:lvl7pPr lvl="6">
+            <a:lvl7pPr lvl="6" rtl="0">
               <a:buNone/>
               <a:defRPr>
                 <a:solidFill>
@@ -2376,7 +2678,7 @@
                 </a:solidFill>
               </a:defRPr>
             </a:lvl7pPr>
-            <a:lvl8pPr lvl="7">
+            <a:lvl8pPr lvl="7" rtl="0">
               <a:buNone/>
               <a:defRPr>
                 <a:solidFill>
@@ -2384,7 +2686,7 @@
                 </a:solidFill>
               </a:defRPr>
             </a:lvl8pPr>
-            <a:lvl9pPr lvl="8">
+            <a:lvl9pPr lvl="8" rtl="0">
               <a:buNone/>
               <a:defRPr>
                 <a:solidFill>
@@ -2426,7 +2728,7 @@
                 </a:solidFill>
                 <a:hlinkClick r:id="rId2"/>
               </a:rPr>
-              <a:t>https://profriehle.com</a:t>
+              <a:t>https://oss.cs.fau.de</a:t>
             </a:r>
             <a:r>
               <a:rPr b="0" lang="en" sz="900">
@@ -2436,53 +2738,158 @@
               </a:rPr>
               <a:t> </a:t>
             </a:r>
-            <a:endParaRPr/>
+            <a:endParaRPr b="0" sz="900">
+              <a:solidFill>
+                <a:schemeClr val="dk2"/>
+              </a:solidFill>
+            </a:endParaRPr>
           </a:p>
         </p:txBody>
       </p:sp>
-      <p:sp>
-        <p:nvSpPr>
-          <p:cNvPr id="20" name="Google Shape;20;p4"/>
-          <p:cNvSpPr/>
+      <p:grpSp>
+        <p:nvGrpSpPr>
+          <p:cNvPr id="26" name="Google Shape;26;p4"/>
+          <p:cNvGrpSpPr/>
           <p:nvPr/>
-        </p:nvSpPr>
-        <p:spPr>
+        </p:nvGrpSpPr>
+        <p:grpSpPr>
           <a:xfrm>
             <a:off x="0" y="685800"/>
             <a:ext cx="9144000" cy="91500"/>
+            <a:chOff x="0" y="2386584"/>
+            <a:chExt cx="9144000" cy="91500"/>
           </a:xfrm>
-          <a:prstGeom prst="rect">
-            <a:avLst/>
-          </a:prstGeom>
-          <a:solidFill>
-            <a:schemeClr val="accent6"/>
-          </a:solidFill>
-          <a:ln>
-            <a:noFill/>
-          </a:ln>
-        </p:spPr>
-        <p:txBody>
-          <a:bodyPr anchorCtr="0" anchor="ctr" bIns="91425" lIns="91425" spcFirstLastPara="1" rIns="91425" wrap="square" tIns="91425">
-            <a:noAutofit/>
-          </a:bodyPr>
-          <a:lstStyle/>
-          <a:p>
-            <a:pPr indent="0" lvl="0" marL="0" rtl="0" algn="l">
-              <a:spcBef>
-                <a:spcPts val="0"/>
-              </a:spcBef>
-              <a:spcAft>
-                <a:spcPts val="0"/>
-              </a:spcAft>
-              <a:buNone/>
-            </a:pPr>
-            <a:r>
-              <a:t/>
-            </a:r>
-            <a:endParaRPr/>
-          </a:p>
-        </p:txBody>
-      </p:sp>
+        </p:grpSpPr>
+        <p:sp>
+          <p:nvSpPr>
+            <p:cNvPr id="27" name="Google Shape;27;p4"/>
+            <p:cNvSpPr/>
+            <p:nvPr/>
+          </p:nvSpPr>
+          <p:spPr>
+            <a:xfrm>
+              <a:off x="0" y="2386584"/>
+              <a:ext cx="914400" cy="91500"/>
+            </a:xfrm>
+            <a:prstGeom prst="rect">
+              <a:avLst/>
+            </a:prstGeom>
+            <a:solidFill>
+              <a:schemeClr val="accent2"/>
+            </a:solidFill>
+            <a:ln>
+              <a:noFill/>
+            </a:ln>
+          </p:spPr>
+          <p:txBody>
+            <a:bodyPr anchorCtr="0" anchor="ctr" bIns="91425" lIns="91425" spcFirstLastPara="1" rIns="91425" wrap="square" tIns="91425">
+              <a:noAutofit/>
+            </a:bodyPr>
+            <a:lstStyle/>
+            <a:p>
+              <a:pPr indent="0" lvl="0" marL="0" rtl="0" algn="l">
+                <a:spcBef>
+                  <a:spcPts val="0"/>
+                </a:spcBef>
+                <a:spcAft>
+                  <a:spcPts val="0"/>
+                </a:spcAft>
+                <a:buNone/>
+              </a:pPr>
+              <a:r>
+                <a:t/>
+              </a:r>
+              <a:endParaRPr/>
+            </a:p>
+          </p:txBody>
+        </p:sp>
+        <p:sp>
+          <p:nvSpPr>
+            <p:cNvPr id="28" name="Google Shape;28;p4"/>
+            <p:cNvSpPr/>
+            <p:nvPr/>
+          </p:nvSpPr>
+          <p:spPr>
+            <a:xfrm>
+              <a:off x="914400" y="2386584"/>
+              <a:ext cx="1828800" cy="91500"/>
+            </a:xfrm>
+            <a:prstGeom prst="rect">
+              <a:avLst/>
+            </a:prstGeom>
+            <a:solidFill>
+              <a:schemeClr val="accent3"/>
+            </a:solidFill>
+            <a:ln>
+              <a:noFill/>
+            </a:ln>
+          </p:spPr>
+          <p:txBody>
+            <a:bodyPr anchorCtr="0" anchor="ctr" bIns="91425" lIns="91425" spcFirstLastPara="1" rIns="91425" wrap="square" tIns="91425">
+              <a:noAutofit/>
+            </a:bodyPr>
+            <a:lstStyle/>
+            <a:p>
+              <a:pPr indent="0" lvl="0" marL="0" rtl="0" algn="l">
+                <a:spcBef>
+                  <a:spcPts val="0"/>
+                </a:spcBef>
+                <a:spcAft>
+                  <a:spcPts val="0"/>
+                </a:spcAft>
+                <a:buNone/>
+              </a:pPr>
+              <a:r>
+                <a:t/>
+              </a:r>
+              <a:endParaRPr/>
+            </a:p>
+          </p:txBody>
+        </p:sp>
+        <p:sp>
+          <p:nvSpPr>
+            <p:cNvPr id="29" name="Google Shape;29;p4"/>
+            <p:cNvSpPr/>
+            <p:nvPr/>
+          </p:nvSpPr>
+          <p:spPr>
+            <a:xfrm>
+              <a:off x="2743200" y="2386584"/>
+              <a:ext cx="6400800" cy="91500"/>
+            </a:xfrm>
+            <a:prstGeom prst="rect">
+              <a:avLst/>
+            </a:prstGeom>
+            <a:solidFill>
+              <a:schemeClr val="accent4"/>
+            </a:solidFill>
+            <a:ln>
+              <a:noFill/>
+            </a:ln>
+          </p:spPr>
+          <p:txBody>
+            <a:bodyPr anchorCtr="0" anchor="ctr" bIns="91425" lIns="91425" spcFirstLastPara="1" rIns="91425" wrap="square" tIns="91425">
+              <a:noAutofit/>
+            </a:bodyPr>
+            <a:lstStyle/>
+            <a:p>
+              <a:pPr indent="0" lvl="0" marL="0" rtl="0" algn="l">
+                <a:spcBef>
+                  <a:spcPts val="0"/>
+                </a:spcBef>
+                <a:spcAft>
+                  <a:spcPts val="0"/>
+                </a:spcAft>
+                <a:buNone/>
+              </a:pPr>
+              <a:r>
+                <a:t/>
+              </a:r>
+              <a:endParaRPr/>
+            </a:p>
+          </p:txBody>
+        </p:sp>
+      </p:grpSp>
     </p:spTree>
   </p:cSld>
   <p:clrMapOvr>
@@ -2496,7 +2903,7 @@
   <p:cSld name="TITLE_AND_TWO_COLUMNS">
     <p:spTree>
       <p:nvGrpSpPr>
-        <p:cNvPr id="21" name="Shape 21"/>
+        <p:cNvPr id="30" name="Shape 30"/>
         <p:cNvGrpSpPr/>
         <p:nvPr/>
       </p:nvGrpSpPr>
@@ -2510,7 +2917,7 @@
       </p:grpSpPr>
       <p:sp>
         <p:nvSpPr>
-          <p:cNvPr id="22" name="Google Shape;22;p5"/>
+          <p:cNvPr id="31" name="Google Shape;31;p5"/>
           <p:cNvSpPr txBox="1"/>
           <p:nvPr>
             <p:ph type="title"/>
@@ -2638,7 +3045,7 @@
       </p:sp>
       <p:sp>
         <p:nvSpPr>
-          <p:cNvPr id="23" name="Google Shape;23;p5"/>
+          <p:cNvPr id="32" name="Google Shape;32;p5"/>
           <p:cNvSpPr txBox="1"/>
           <p:nvPr>
             <p:ph idx="1" type="body"/>
@@ -2763,7 +3170,7 @@
       </p:sp>
       <p:sp>
         <p:nvSpPr>
-          <p:cNvPr id="24" name="Google Shape;24;p5"/>
+          <p:cNvPr id="33" name="Google Shape;33;p5"/>
           <p:cNvSpPr txBox="1"/>
           <p:nvPr>
             <p:ph idx="2" type="body"/>
@@ -2888,7 +3295,7 @@
       </p:sp>
       <p:sp>
         <p:nvSpPr>
-          <p:cNvPr id="25" name="Google Shape;25;p5"/>
+          <p:cNvPr id="34" name="Google Shape;34;p5"/>
           <p:cNvSpPr txBox="1"/>
           <p:nvPr>
             <p:ph idx="12" type="sldNum"/>
@@ -3005,6 +3412,11 @@
               <a:spcAft>
                 <a:spcPts val="0"/>
               </a:spcAft>
+              <a:buClr>
+                <a:schemeClr val="dk1"/>
+              </a:buClr>
+              <a:buSzPts val="1100"/>
+              <a:buFont typeface="Arial"/>
               <a:buNone/>
             </a:pPr>
             <a:r>
@@ -3014,63 +3426,160 @@
                 </a:solidFill>
                 <a:hlinkClick r:id="rId2"/>
               </a:rPr>
-              <a:t>https://profriehle.com</a:t>
-            </a:r>
-            <a:r>
-              <a:rPr b="0" lang="en" sz="900">
-                <a:solidFill>
-                  <a:schemeClr val="dk2"/>
-                </a:solidFill>
-              </a:rPr>
-              <a:t> </a:t>
-            </a:r>
-            <a:endParaRPr/>
+              <a:t>https://oss.cs.fau.de</a:t>
+            </a:r>
+            <a:endParaRPr>
+              <a:solidFill>
+                <a:schemeClr val="dk2"/>
+              </a:solidFill>
+            </a:endParaRPr>
           </a:p>
         </p:txBody>
       </p:sp>
-      <p:sp>
-        <p:nvSpPr>
-          <p:cNvPr id="26" name="Google Shape;26;p5"/>
-          <p:cNvSpPr/>
+      <p:grpSp>
+        <p:nvGrpSpPr>
+          <p:cNvPr id="35" name="Google Shape;35;p5"/>
+          <p:cNvGrpSpPr/>
           <p:nvPr/>
-        </p:nvSpPr>
-        <p:spPr>
+        </p:nvGrpSpPr>
+        <p:grpSpPr>
           <a:xfrm>
             <a:off x="0" y="685800"/>
             <a:ext cx="9144000" cy="91500"/>
+            <a:chOff x="0" y="2386584"/>
+            <a:chExt cx="9144000" cy="91500"/>
           </a:xfrm>
-          <a:prstGeom prst="rect">
-            <a:avLst/>
-          </a:prstGeom>
-          <a:solidFill>
-            <a:schemeClr val="accent6"/>
-          </a:solidFill>
-          <a:ln>
-            <a:noFill/>
-          </a:ln>
-        </p:spPr>
-        <p:txBody>
-          <a:bodyPr anchorCtr="0" anchor="ctr" bIns="91425" lIns="91425" spcFirstLastPara="1" rIns="91425" wrap="square" tIns="91425">
-            <a:noAutofit/>
-          </a:bodyPr>
-          <a:lstStyle/>
-          <a:p>
-            <a:pPr indent="0" lvl="0" marL="0" rtl="0" algn="l">
-              <a:spcBef>
-                <a:spcPts val="0"/>
-              </a:spcBef>
-              <a:spcAft>
-                <a:spcPts val="0"/>
-              </a:spcAft>
-              <a:buNone/>
-            </a:pPr>
-            <a:r>
-              <a:t/>
-            </a:r>
-            <a:endParaRPr/>
-          </a:p>
-        </p:txBody>
-      </p:sp>
+        </p:grpSpPr>
+        <p:sp>
+          <p:nvSpPr>
+            <p:cNvPr id="36" name="Google Shape;36;p5"/>
+            <p:cNvSpPr/>
+            <p:nvPr/>
+          </p:nvSpPr>
+          <p:spPr>
+            <a:xfrm>
+              <a:off x="0" y="2386584"/>
+              <a:ext cx="914400" cy="91500"/>
+            </a:xfrm>
+            <a:prstGeom prst="rect">
+              <a:avLst/>
+            </a:prstGeom>
+            <a:solidFill>
+              <a:schemeClr val="accent2"/>
+            </a:solidFill>
+            <a:ln>
+              <a:noFill/>
+            </a:ln>
+          </p:spPr>
+          <p:txBody>
+            <a:bodyPr anchorCtr="0" anchor="ctr" bIns="91425" lIns="91425" spcFirstLastPara="1" rIns="91425" wrap="square" tIns="91425">
+              <a:noAutofit/>
+            </a:bodyPr>
+            <a:lstStyle/>
+            <a:p>
+              <a:pPr indent="0" lvl="0" marL="0" rtl="0" algn="l">
+                <a:spcBef>
+                  <a:spcPts val="0"/>
+                </a:spcBef>
+                <a:spcAft>
+                  <a:spcPts val="0"/>
+                </a:spcAft>
+                <a:buNone/>
+              </a:pPr>
+              <a:r>
+                <a:t/>
+              </a:r>
+              <a:endParaRPr/>
+            </a:p>
+          </p:txBody>
+        </p:sp>
+        <p:sp>
+          <p:nvSpPr>
+            <p:cNvPr id="37" name="Google Shape;37;p5"/>
+            <p:cNvSpPr/>
+            <p:nvPr/>
+          </p:nvSpPr>
+          <p:spPr>
+            <a:xfrm>
+              <a:off x="914400" y="2386584"/>
+              <a:ext cx="1828800" cy="91500"/>
+            </a:xfrm>
+            <a:prstGeom prst="rect">
+              <a:avLst/>
+            </a:prstGeom>
+            <a:solidFill>
+              <a:schemeClr val="accent3"/>
+            </a:solidFill>
+            <a:ln>
+              <a:noFill/>
+            </a:ln>
+          </p:spPr>
+          <p:txBody>
+            <a:bodyPr anchorCtr="0" anchor="ctr" bIns="91425" lIns="91425" spcFirstLastPara="1" rIns="91425" wrap="square" tIns="91425">
+              <a:noAutofit/>
+            </a:bodyPr>
+            <a:lstStyle/>
+            <a:p>
+              <a:pPr indent="0" lvl="0" marL="0" rtl="0" algn="l">
+                <a:spcBef>
+                  <a:spcPts val="0"/>
+                </a:spcBef>
+                <a:spcAft>
+                  <a:spcPts val="0"/>
+                </a:spcAft>
+                <a:buNone/>
+              </a:pPr>
+              <a:r>
+                <a:t/>
+              </a:r>
+              <a:endParaRPr/>
+            </a:p>
+          </p:txBody>
+        </p:sp>
+        <p:sp>
+          <p:nvSpPr>
+            <p:cNvPr id="38" name="Google Shape;38;p5"/>
+            <p:cNvSpPr/>
+            <p:nvPr/>
+          </p:nvSpPr>
+          <p:spPr>
+            <a:xfrm>
+              <a:off x="2743200" y="2386584"/>
+              <a:ext cx="6400800" cy="91500"/>
+            </a:xfrm>
+            <a:prstGeom prst="rect">
+              <a:avLst/>
+            </a:prstGeom>
+            <a:solidFill>
+              <a:schemeClr val="accent4"/>
+            </a:solidFill>
+            <a:ln>
+              <a:noFill/>
+            </a:ln>
+          </p:spPr>
+          <p:txBody>
+            <a:bodyPr anchorCtr="0" anchor="ctr" bIns="91425" lIns="91425" spcFirstLastPara="1" rIns="91425" wrap="square" tIns="91425">
+              <a:noAutofit/>
+            </a:bodyPr>
+            <a:lstStyle/>
+            <a:p>
+              <a:pPr indent="0" lvl="0" marL="0" rtl="0" algn="l">
+                <a:spcBef>
+                  <a:spcPts val="0"/>
+                </a:spcBef>
+                <a:spcAft>
+                  <a:spcPts val="0"/>
+                </a:spcAft>
+                <a:buNone/>
+              </a:pPr>
+              <a:r>
+                <a:t/>
+              </a:r>
+              <a:endParaRPr/>
+            </a:p>
+          </p:txBody>
+        </p:sp>
+      </p:grpSp>
     </p:spTree>
   </p:cSld>
   <p:clrMapOvr>
@@ -3084,7 +3593,7 @@
   <p:cSld name="TITLE_ONLY">
     <p:spTree>
       <p:nvGrpSpPr>
-        <p:cNvPr id="27" name="Shape 27"/>
+        <p:cNvPr id="39" name="Shape 39"/>
         <p:cNvGrpSpPr/>
         <p:nvPr/>
       </p:nvGrpSpPr>
@@ -3098,7 +3607,7 @@
       </p:grpSpPr>
       <p:sp>
         <p:nvSpPr>
-          <p:cNvPr id="28" name="Google Shape;28;p6"/>
+          <p:cNvPr id="40" name="Google Shape;40;p6"/>
           <p:cNvSpPr txBox="1"/>
           <p:nvPr>
             <p:ph type="title"/>
@@ -3223,7 +3732,7 @@
       </p:sp>
       <p:sp>
         <p:nvSpPr>
-          <p:cNvPr id="29" name="Google Shape;29;p6"/>
+          <p:cNvPr id="41" name="Google Shape;41;p6"/>
           <p:cNvSpPr txBox="1"/>
           <p:nvPr>
             <p:ph idx="12" type="sldNum"/>
@@ -3349,7 +3858,7 @@
                 </a:solidFill>
                 <a:hlinkClick r:id="rId2"/>
               </a:rPr>
-              <a:t>https://profriehle.com</a:t>
+              <a:t>https://oss.cs.fau.de</a:t>
             </a:r>
             <a:r>
               <a:rPr b="0" lang="en" sz="900">
@@ -3359,53 +3868,158 @@
               </a:rPr>
               <a:t> </a:t>
             </a:r>
-            <a:endParaRPr/>
+            <a:endParaRPr>
+              <a:solidFill>
+                <a:schemeClr val="dk2"/>
+              </a:solidFill>
+            </a:endParaRPr>
           </a:p>
         </p:txBody>
       </p:sp>
-      <p:sp>
-        <p:nvSpPr>
-          <p:cNvPr id="30" name="Google Shape;30;p6"/>
-          <p:cNvSpPr/>
+      <p:grpSp>
+        <p:nvGrpSpPr>
+          <p:cNvPr id="42" name="Google Shape;42;p6"/>
+          <p:cNvGrpSpPr/>
           <p:nvPr/>
-        </p:nvSpPr>
-        <p:spPr>
+        </p:nvGrpSpPr>
+        <p:grpSpPr>
           <a:xfrm>
             <a:off x="0" y="685800"/>
             <a:ext cx="9144000" cy="91500"/>
+            <a:chOff x="0" y="2386584"/>
+            <a:chExt cx="9144000" cy="91500"/>
           </a:xfrm>
-          <a:prstGeom prst="rect">
-            <a:avLst/>
-          </a:prstGeom>
-          <a:solidFill>
-            <a:schemeClr val="accent6"/>
-          </a:solidFill>
-          <a:ln>
-            <a:noFill/>
-          </a:ln>
-        </p:spPr>
-        <p:txBody>
-          <a:bodyPr anchorCtr="0" anchor="ctr" bIns="91425" lIns="91425" spcFirstLastPara="1" rIns="91425" wrap="square" tIns="91425">
-            <a:noAutofit/>
-          </a:bodyPr>
-          <a:lstStyle/>
-          <a:p>
-            <a:pPr indent="0" lvl="0" marL="0" rtl="0" algn="l">
-              <a:spcBef>
-                <a:spcPts val="0"/>
-              </a:spcBef>
-              <a:spcAft>
-                <a:spcPts val="0"/>
-              </a:spcAft>
-              <a:buNone/>
-            </a:pPr>
-            <a:r>
-              <a:t/>
-            </a:r>
-            <a:endParaRPr/>
-          </a:p>
-        </p:txBody>
-      </p:sp>
+        </p:grpSpPr>
+        <p:sp>
+          <p:nvSpPr>
+            <p:cNvPr id="43" name="Google Shape;43;p6"/>
+            <p:cNvSpPr/>
+            <p:nvPr/>
+          </p:nvSpPr>
+          <p:spPr>
+            <a:xfrm>
+              <a:off x="0" y="2386584"/>
+              <a:ext cx="914400" cy="91500"/>
+            </a:xfrm>
+            <a:prstGeom prst="rect">
+              <a:avLst/>
+            </a:prstGeom>
+            <a:solidFill>
+              <a:schemeClr val="accent2"/>
+            </a:solidFill>
+            <a:ln>
+              <a:noFill/>
+            </a:ln>
+          </p:spPr>
+          <p:txBody>
+            <a:bodyPr anchorCtr="0" anchor="ctr" bIns="91425" lIns="91425" spcFirstLastPara="1" rIns="91425" wrap="square" tIns="91425">
+              <a:noAutofit/>
+            </a:bodyPr>
+            <a:lstStyle/>
+            <a:p>
+              <a:pPr indent="0" lvl="0" marL="0" rtl="0" algn="l">
+                <a:spcBef>
+                  <a:spcPts val="0"/>
+                </a:spcBef>
+                <a:spcAft>
+                  <a:spcPts val="0"/>
+                </a:spcAft>
+                <a:buNone/>
+              </a:pPr>
+              <a:r>
+                <a:t/>
+              </a:r>
+              <a:endParaRPr/>
+            </a:p>
+          </p:txBody>
+        </p:sp>
+        <p:sp>
+          <p:nvSpPr>
+            <p:cNvPr id="44" name="Google Shape;44;p6"/>
+            <p:cNvSpPr/>
+            <p:nvPr/>
+          </p:nvSpPr>
+          <p:spPr>
+            <a:xfrm>
+              <a:off x="914400" y="2386584"/>
+              <a:ext cx="1828800" cy="91500"/>
+            </a:xfrm>
+            <a:prstGeom prst="rect">
+              <a:avLst/>
+            </a:prstGeom>
+            <a:solidFill>
+              <a:schemeClr val="accent3"/>
+            </a:solidFill>
+            <a:ln>
+              <a:noFill/>
+            </a:ln>
+          </p:spPr>
+          <p:txBody>
+            <a:bodyPr anchorCtr="0" anchor="ctr" bIns="91425" lIns="91425" spcFirstLastPara="1" rIns="91425" wrap="square" tIns="91425">
+              <a:noAutofit/>
+            </a:bodyPr>
+            <a:lstStyle/>
+            <a:p>
+              <a:pPr indent="0" lvl="0" marL="0" rtl="0" algn="l">
+                <a:spcBef>
+                  <a:spcPts val="0"/>
+                </a:spcBef>
+                <a:spcAft>
+                  <a:spcPts val="0"/>
+                </a:spcAft>
+                <a:buNone/>
+              </a:pPr>
+              <a:r>
+                <a:t/>
+              </a:r>
+              <a:endParaRPr/>
+            </a:p>
+          </p:txBody>
+        </p:sp>
+        <p:sp>
+          <p:nvSpPr>
+            <p:cNvPr id="45" name="Google Shape;45;p6"/>
+            <p:cNvSpPr/>
+            <p:nvPr/>
+          </p:nvSpPr>
+          <p:spPr>
+            <a:xfrm>
+              <a:off x="2743200" y="2386584"/>
+              <a:ext cx="6400800" cy="91500"/>
+            </a:xfrm>
+            <a:prstGeom prst="rect">
+              <a:avLst/>
+            </a:prstGeom>
+            <a:solidFill>
+              <a:schemeClr val="accent4"/>
+            </a:solidFill>
+            <a:ln>
+              <a:noFill/>
+            </a:ln>
+          </p:spPr>
+          <p:txBody>
+            <a:bodyPr anchorCtr="0" anchor="ctr" bIns="91425" lIns="91425" spcFirstLastPara="1" rIns="91425" wrap="square" tIns="91425">
+              <a:noAutofit/>
+            </a:bodyPr>
+            <a:lstStyle/>
+            <a:p>
+              <a:pPr indent="0" lvl="0" marL="0" rtl="0" algn="l">
+                <a:spcBef>
+                  <a:spcPts val="0"/>
+                </a:spcBef>
+                <a:spcAft>
+                  <a:spcPts val="0"/>
+                </a:spcAft>
+                <a:buNone/>
+              </a:pPr>
+              <a:r>
+                <a:t/>
+              </a:r>
+              <a:endParaRPr/>
+            </a:p>
+          </p:txBody>
+        </p:sp>
+      </p:grpSp>
     </p:spTree>
   </p:cSld>
   <p:clrMapOvr>
@@ -3419,7 +4033,7 @@
   <p:cSld name="BLANK">
     <p:spTree>
       <p:nvGrpSpPr>
-        <p:cNvPr id="31" name="Shape 31"/>
+        <p:cNvPr id="46" name="Shape 46"/>
         <p:cNvGrpSpPr/>
         <p:nvPr/>
       </p:nvGrpSpPr>
@@ -4006,7 +4620,7 @@
                 </a:solidFill>
                 <a:hlinkClick r:id="rId1"/>
               </a:rPr>
-              <a:t>https://profriehle.com</a:t>
+              <a:t>https://oss.cs.fau.de</a:t>
             </a:r>
             <a:r>
               <a:rPr b="0" lang="en" sz="900"/>
@@ -4725,7 +5339,7 @@
   <p:cSld>
     <p:spTree>
       <p:nvGrpSpPr>
-        <p:cNvPr id="35" name="Shape 35"/>
+        <p:cNvPr id="50" name="Shape 50"/>
         <p:cNvGrpSpPr/>
         <p:nvPr/>
       </p:nvGrpSpPr>
@@ -4739,7 +5353,7 @@
       </p:grpSpPr>
       <p:sp>
         <p:nvSpPr>
-          <p:cNvPr id="36" name="Google Shape;36;p8"/>
+          <p:cNvPr id="51" name="Google Shape;51;p8"/>
           <p:cNvSpPr txBox="1"/>
           <p:nvPr>
             <p:ph type="ctrTitle"/>
@@ -4779,7 +5393,7 @@
       </p:sp>
       <p:sp>
         <p:nvSpPr>
-          <p:cNvPr id="37" name="Google Shape;37;p8"/>
+          <p:cNvPr id="52" name="Google Shape;52;p8"/>
           <p:cNvSpPr txBox="1"/>
           <p:nvPr>
             <p:ph idx="1" type="subTitle"/>
@@ -4886,7 +5500,7 @@
   <p:cSld>
     <p:spTree>
       <p:nvGrpSpPr>
-        <p:cNvPr id="41" name="Shape 41"/>
+        <p:cNvPr id="56" name="Shape 56"/>
         <p:cNvGrpSpPr/>
         <p:nvPr/>
       </p:nvGrpSpPr>
@@ -4900,7 +5514,7 @@
       </p:grpSpPr>
       <p:sp>
         <p:nvSpPr>
-          <p:cNvPr id="42" name="Google Shape;42;p9"/>
+          <p:cNvPr id="57" name="Google Shape;57;p9"/>
           <p:cNvSpPr txBox="1"/>
           <p:nvPr>
             <p:ph type="title"/>
@@ -4940,7 +5554,7 @@
       </p:sp>
       <p:sp>
         <p:nvSpPr>
-          <p:cNvPr id="43" name="Google Shape;43;p9"/>
+          <p:cNvPr id="58" name="Google Shape;58;p9"/>
           <p:cNvSpPr txBox="1"/>
           <p:nvPr>
             <p:ph idx="1" type="body"/>
@@ -5010,11 +5624,27 @@
             </a:r>
             <a:endParaRPr/>
           </a:p>
+          <a:p>
+            <a:pPr indent="0" lvl="0" marL="0" rtl="0" algn="l">
+              <a:spcBef>
+                <a:spcPts val="1200"/>
+              </a:spcBef>
+              <a:spcAft>
+                <a:spcPts val="1200"/>
+              </a:spcAft>
+              <a:buNone/>
+            </a:pPr>
+            <a:r>
+              <a:rPr lang="en"/>
+              <a:t>Please watch out for bouncing email addresses and let me know</a:t>
+            </a:r>
+            <a:endParaRPr/>
+          </a:p>
         </p:txBody>
       </p:sp>
       <p:sp>
         <p:nvSpPr>
-          <p:cNvPr id="44" name="Google Shape;44;p9"/>
+          <p:cNvPr id="59" name="Google Shape;59;p9"/>
           <p:cNvSpPr txBox="1"/>
           <p:nvPr>
             <p:ph idx="12" type="sldNum"/>
@@ -5067,7 +5697,7 @@
                 </a:solidFill>
                 <a:hlinkClick r:id="rId3"/>
               </a:rPr>
-              <a:t>https://profriehle.com</a:t>
+              <a:t>https://oss.cs.fau.de</a:t>
             </a:r>
             <a:r>
               <a:rPr b="0" lang="en" sz="900">
@@ -5077,7 +5707,11 @@
               </a:rPr>
               <a:t> </a:t>
             </a:r>
-            <a:endParaRPr/>
+            <a:endParaRPr b="0" sz="900">
+              <a:solidFill>
+                <a:schemeClr val="dk2"/>
+              </a:solidFill>
+            </a:endParaRPr>
           </a:p>
         </p:txBody>
       </p:sp>
@@ -5094,7 +5728,7 @@
   <p:cSld>
     <p:spTree>
       <p:nvGrpSpPr>
-        <p:cNvPr id="48" name="Shape 48"/>
+        <p:cNvPr id="63" name="Shape 63"/>
         <p:cNvGrpSpPr/>
         <p:nvPr/>
       </p:nvGrpSpPr>
@@ -5108,7 +5742,7 @@
       </p:grpSpPr>
       <p:sp>
         <p:nvSpPr>
-          <p:cNvPr id="49" name="Google Shape;49;p10"/>
+          <p:cNvPr id="64" name="Google Shape;64;p10"/>
           <p:cNvSpPr txBox="1"/>
           <p:nvPr>
             <p:ph type="title"/>
@@ -5148,7 +5782,7 @@
       </p:sp>
       <p:sp>
         <p:nvSpPr>
-          <p:cNvPr id="50" name="Google Shape;50;p10"/>
+          <p:cNvPr id="65" name="Google Shape;65;p10"/>
           <p:cNvSpPr txBox="1"/>
           <p:nvPr>
             <p:ph idx="12" type="sldNum"/>
@@ -5201,7 +5835,7 @@
                 </a:solidFill>
                 <a:hlinkClick r:id="rId3"/>
               </a:rPr>
-              <a:t>https://profriehle.com</a:t>
+              <a:t>https://oss.cs.fau.de</a:t>
             </a:r>
             <a:r>
               <a:rPr b="0" lang="en" sz="900">
@@ -5211,13 +5845,17 @@
               </a:rPr>
               <a:t> </a:t>
             </a:r>
-            <a:endParaRPr/>
+            <a:endParaRPr b="0" sz="900">
+              <a:solidFill>
+                <a:schemeClr val="dk2"/>
+              </a:solidFill>
+            </a:endParaRPr>
           </a:p>
         </p:txBody>
       </p:sp>
       <p:pic>
         <p:nvPicPr>
-          <p:cNvPr id="51" name="Google Shape;51;p10"/>
+          <p:cNvPr id="66" name="Google Shape;66;p10"/>
           <p:cNvPicPr preferRelativeResize="0"/>
           <p:nvPr/>
         </p:nvPicPr>
@@ -5256,7 +5894,7 @@
   <p:cSld>
     <p:spTree>
       <p:nvGrpSpPr>
-        <p:cNvPr id="55" name="Shape 55"/>
+        <p:cNvPr id="70" name="Shape 70"/>
         <p:cNvGrpSpPr/>
         <p:nvPr/>
       </p:nvGrpSpPr>
@@ -5270,7 +5908,7 @@
       </p:grpSpPr>
       <p:sp>
         <p:nvSpPr>
-          <p:cNvPr id="56" name="Google Shape;56;p11"/>
+          <p:cNvPr id="71" name="Google Shape;71;p11"/>
           <p:cNvSpPr txBox="1"/>
           <p:nvPr>
             <p:ph type="title"/>
@@ -5310,7 +5948,7 @@
       </p:sp>
       <p:sp>
         <p:nvSpPr>
-          <p:cNvPr id="57" name="Google Shape;57;p11"/>
+          <p:cNvPr id="72" name="Google Shape;72;p11"/>
           <p:cNvSpPr txBox="1"/>
           <p:nvPr>
             <p:ph idx="1" type="body"/>
@@ -5367,7 +6005,7 @@
       </p:sp>
       <p:sp>
         <p:nvSpPr>
-          <p:cNvPr id="58" name="Google Shape;58;p11"/>
+          <p:cNvPr id="73" name="Google Shape;73;p11"/>
           <p:cNvSpPr txBox="1"/>
           <p:nvPr>
             <p:ph idx="12" type="sldNum"/>
@@ -5420,7 +6058,7 @@
                 </a:solidFill>
                 <a:hlinkClick r:id="rId3"/>
               </a:rPr>
-              <a:t>https://profriehle.com</a:t>
+              <a:t>https://oss.cs.fau.de</a:t>
             </a:r>
             <a:r>
               <a:rPr b="0" lang="en" sz="900">
@@ -5430,7 +6068,11 @@
               </a:rPr>
               <a:t> </a:t>
             </a:r>
-            <a:endParaRPr/>
+            <a:endParaRPr b="0" sz="900">
+              <a:solidFill>
+                <a:schemeClr val="dk2"/>
+              </a:solidFill>
+            </a:endParaRPr>
           </a:p>
         </p:txBody>
       </p:sp>
@@ -5447,7 +6089,7 @@
   <p:cSld>
     <p:spTree>
       <p:nvGrpSpPr>
-        <p:cNvPr id="62" name="Shape 62"/>
+        <p:cNvPr id="77" name="Shape 77"/>
         <p:cNvGrpSpPr/>
         <p:nvPr/>
       </p:nvGrpSpPr>
@@ -5461,7 +6103,7 @@
       </p:grpSpPr>
       <p:sp>
         <p:nvSpPr>
-          <p:cNvPr id="63" name="Google Shape;63;p12"/>
+          <p:cNvPr id="78" name="Google Shape;78;p12"/>
           <p:cNvSpPr txBox="1"/>
           <p:nvPr>
             <p:ph type="title"/>
@@ -5501,7 +6143,7 @@
       </p:sp>
       <p:sp>
         <p:nvSpPr>
-          <p:cNvPr id="64" name="Google Shape;64;p12"/>
+          <p:cNvPr id="79" name="Google Shape;79;p12"/>
           <p:cNvSpPr txBox="1"/>
           <p:nvPr>
             <p:ph idx="1" type="body"/>
@@ -5625,7 +6267,7 @@
       </p:sp>
       <p:sp>
         <p:nvSpPr>
-          <p:cNvPr id="65" name="Google Shape;65;p12"/>
+          <p:cNvPr id="80" name="Google Shape;80;p12"/>
           <p:cNvSpPr txBox="1"/>
           <p:nvPr>
             <p:ph idx="12" type="sldNum"/>
@@ -5678,7 +6320,7 @@
                 </a:solidFill>
                 <a:hlinkClick r:id="rId3"/>
               </a:rPr>
-              <a:t>https://profriehle.com</a:t>
+              <a:t>https://oss.cs.fau.de</a:t>
             </a:r>
             <a:r>
               <a:rPr b="0" lang="en" sz="900">
@@ -5688,7 +6330,11 @@
               </a:rPr>
               <a:t> </a:t>
             </a:r>
-            <a:endParaRPr/>
+            <a:endParaRPr b="0" sz="900">
+              <a:solidFill>
+                <a:schemeClr val="dk2"/>
+              </a:solidFill>
+            </a:endParaRPr>
           </a:p>
         </p:txBody>
       </p:sp>
@@ -5705,7 +6351,7 @@
   <p:cSld>
     <p:spTree>
       <p:nvGrpSpPr>
-        <p:cNvPr id="69" name="Shape 69"/>
+        <p:cNvPr id="84" name="Shape 84"/>
         <p:cNvGrpSpPr/>
         <p:nvPr/>
       </p:nvGrpSpPr>
@@ -5719,7 +6365,219 @@
       </p:grpSpPr>
       <p:sp>
         <p:nvSpPr>
-          <p:cNvPr id="70" name="Google Shape;70;p13"/>
+          <p:cNvPr id="85" name="Google Shape;85;p13"/>
+          <p:cNvSpPr txBox="1"/>
+          <p:nvPr>
+            <p:ph type="title"/>
+          </p:nvPr>
+        </p:nvSpPr>
+        <p:spPr>
+          <a:xfrm>
+            <a:off x="0" y="0"/>
+            <a:ext cx="9144000" cy="685800"/>
+          </a:xfrm>
+          <a:prstGeom prst="rect">
+            <a:avLst/>
+          </a:prstGeom>
+        </p:spPr>
+        <p:txBody>
+          <a:bodyPr anchorCtr="0" anchor="ctr" bIns="91425" lIns="274300" spcFirstLastPara="1" rIns="91425" wrap="square" tIns="91425">
+            <a:noAutofit/>
+          </a:bodyPr>
+          <a:lstStyle/>
+          <a:p>
+            <a:pPr indent="0" lvl="0" marL="0" rtl="0" algn="l">
+              <a:spcBef>
+                <a:spcPts val="0"/>
+              </a:spcBef>
+              <a:spcAft>
+                <a:spcPts val="0"/>
+              </a:spcAft>
+              <a:buNone/>
+            </a:pPr>
+            <a:r>
+              <a:rPr lang="en"/>
+              <a:t>Student Abuse</a:t>
+            </a:r>
+            <a:endParaRPr/>
+          </a:p>
+        </p:txBody>
+      </p:sp>
+      <p:sp>
+        <p:nvSpPr>
+          <p:cNvPr id="86" name="Google Shape;86;p13"/>
+          <p:cNvSpPr txBox="1"/>
+          <p:nvPr>
+            <p:ph idx="1" type="body"/>
+          </p:nvPr>
+        </p:nvSpPr>
+        <p:spPr>
+          <a:xfrm>
+            <a:off x="274320" y="914400"/>
+            <a:ext cx="8595300" cy="4114800"/>
+          </a:xfrm>
+          <a:prstGeom prst="rect">
+            <a:avLst/>
+          </a:prstGeom>
+        </p:spPr>
+        <p:txBody>
+          <a:bodyPr anchorCtr="0" anchor="t" bIns="0" lIns="0" spcFirstLastPara="1" rIns="0" wrap="square" tIns="0">
+            <a:noAutofit/>
+          </a:bodyPr>
+          <a:lstStyle/>
+          <a:p>
+            <a:pPr indent="0" lvl="0" marL="0" rtl="0" algn="l">
+              <a:spcBef>
+                <a:spcPts val="0"/>
+              </a:spcBef>
+              <a:spcAft>
+                <a:spcPts val="0"/>
+              </a:spcAft>
+              <a:buNone/>
+            </a:pPr>
+            <a:r>
+              <a:rPr lang="en"/>
+              <a:t>Do not act as a relay for student requests</a:t>
+            </a:r>
+            <a:endParaRPr/>
+          </a:p>
+          <a:p>
+            <a:pPr indent="-342900" lvl="0" marL="457200" rtl="0" algn="l">
+              <a:spcBef>
+                <a:spcPts val="1200"/>
+              </a:spcBef>
+              <a:spcAft>
+                <a:spcPts val="0"/>
+              </a:spcAft>
+              <a:buSzPts val="1800"/>
+              <a:buChar char="●"/>
+            </a:pPr>
+            <a:r>
+              <a:rPr lang="en"/>
+              <a:t>Students should ask us directly if they want something</a:t>
+            </a:r>
+            <a:endParaRPr/>
+          </a:p>
+          <a:p>
+            <a:pPr indent="-342900" lvl="0" marL="457200" rtl="0" algn="l">
+              <a:spcBef>
+                <a:spcPts val="0"/>
+              </a:spcBef>
+              <a:spcAft>
+                <a:spcPts val="0"/>
+              </a:spcAft>
+              <a:buSzPts val="1800"/>
+              <a:buChar char="●"/>
+            </a:pPr>
+            <a:r>
+              <a:rPr lang="en"/>
+              <a:t>You can tell them that I don’t take it lightly if they play games</a:t>
+            </a:r>
+            <a:endParaRPr/>
+          </a:p>
+        </p:txBody>
+      </p:sp>
+      <p:sp>
+        <p:nvSpPr>
+          <p:cNvPr id="87" name="Google Shape;87;p13"/>
+          <p:cNvSpPr txBox="1"/>
+          <p:nvPr>
+            <p:ph idx="12" type="sldNum"/>
+          </p:nvPr>
+        </p:nvSpPr>
+        <p:spPr>
+          <a:xfrm>
+            <a:off x="7315202" y="4416550"/>
+            <a:ext cx="1828800" cy="731400"/>
+          </a:xfrm>
+          <a:prstGeom prst="rect">
+            <a:avLst/>
+          </a:prstGeom>
+        </p:spPr>
+        <p:txBody>
+          <a:bodyPr anchorCtr="0" anchor="b" bIns="91425" lIns="91425" spcFirstLastPara="1" rIns="91425" wrap="square" tIns="91425">
+            <a:noAutofit/>
+          </a:bodyPr>
+          <a:lstStyle/>
+          <a:p>
+            <a:pPr indent="0" lvl="0" marL="0" rtl="0" algn="r">
+              <a:spcBef>
+                <a:spcPts val="0"/>
+              </a:spcBef>
+              <a:spcAft>
+                <a:spcPts val="0"/>
+              </a:spcAft>
+              <a:buNone/>
+            </a:pPr>
+            <a:fld id="{00000000-1234-1234-1234-123412341234}" type="slidenum">
+              <a:rPr lang="en"/>
+              <a:t>‹#›</a:t>
+            </a:fld>
+            <a:endParaRPr/>
+          </a:p>
+          <a:p>
+            <a:pPr indent="0" lvl="0" marL="0" rtl="0" algn="r">
+              <a:spcBef>
+                <a:spcPts val="0"/>
+              </a:spcBef>
+              <a:spcAft>
+                <a:spcPts val="0"/>
+              </a:spcAft>
+              <a:buNone/>
+            </a:pPr>
+            <a:r>
+              <a:rPr b="0" lang="en" sz="900" u="sng">
+                <a:solidFill>
+                  <a:schemeClr val="hlink"/>
+                </a:solidFill>
+                <a:hlinkClick r:id="rId3"/>
+              </a:rPr>
+              <a:t>https://oss.cs.fau.de</a:t>
+            </a:r>
+            <a:r>
+              <a:rPr b="0" lang="en" sz="900">
+                <a:solidFill>
+                  <a:schemeClr val="dk2"/>
+                </a:solidFill>
+              </a:rPr>
+              <a:t> </a:t>
+            </a:r>
+            <a:endParaRPr b="0" sz="900">
+              <a:solidFill>
+                <a:schemeClr val="dk2"/>
+              </a:solidFill>
+            </a:endParaRPr>
+          </a:p>
+        </p:txBody>
+      </p:sp>
+    </p:spTree>
+  </p:cSld>
+  <p:clrMapOvr>
+    <a:masterClrMapping/>
+  </p:clrMapOvr>
+</p:sld>
+</file>
+
+<file path=ppt/slides/slide7.xml><?xml version="1.0" encoding="utf-8"?>
+<p:sld xmlns:a="http://schemas.openxmlformats.org/drawingml/2006/main" xmlns:r="http://schemas.openxmlformats.org/officeDocument/2006/relationships" xmlns:mc="http://schemas.openxmlformats.org/markup-compatibility/2006" xmlns:mv="urn:schemas-microsoft-com:mac:vml" xmlns:p="http://schemas.openxmlformats.org/presentationml/2006/main" xmlns:c="http://schemas.openxmlformats.org/drawingml/2006/chart" xmlns:dgm="http://schemas.openxmlformats.org/drawingml/2006/diagram" xmlns:o="urn:schemas-microsoft-com:office:office" xmlns:v="urn:schemas-microsoft-com:vml" xmlns:pvml="urn:schemas-microsoft-com:office:powerpoint" xmlns:com="http://schemas.openxmlformats.org/drawingml/2006/compatibility" xmlns:p14="http://schemas.microsoft.com/office/powerpoint/2010/main" xmlns:p15="http://schemas.microsoft.com/office/powerpoint/2012/main" xmlns:ahyp="http://schemas.microsoft.com/office/drawing/2018/hyperlinkcolor">
+  <p:cSld>
+    <p:spTree>
+      <p:nvGrpSpPr>
+        <p:cNvPr id="91" name="Shape 91"/>
+        <p:cNvGrpSpPr/>
+        <p:nvPr/>
+      </p:nvGrpSpPr>
+      <p:grpSpPr>
+        <a:xfrm>
+          <a:off x="0" y="0"/>
+          <a:ext cx="0" cy="0"/>
+          <a:chOff x="0" y="0"/>
+          <a:chExt cx="0" cy="0"/>
+        </a:xfrm>
+      </p:grpSpPr>
+      <p:sp>
+        <p:nvSpPr>
+          <p:cNvPr id="92" name="Google Shape;92;p14"/>
           <p:cNvSpPr txBox="1"/>
           <p:nvPr>
             <p:ph type="ctrTitle"/>
@@ -5759,7 +6617,7 @@
       </p:sp>
       <p:sp>
         <p:nvSpPr>
-          <p:cNvPr id="71" name="Google Shape;71;p13"/>
+          <p:cNvPr id="93" name="Google Shape;93;p14"/>
           <p:cNvSpPr txBox="1"/>
           <p:nvPr>
             <p:ph idx="1" type="subTitle"/>
@@ -5884,12 +6742,12 @@
 </p:sld>
 </file>
 
-<file path=ppt/slides/slide7.xml><?xml version="1.0" encoding="utf-8"?>
+<file path=ppt/slides/slide8.xml><?xml version="1.0" encoding="utf-8"?>
 <p:sld xmlns:a="http://schemas.openxmlformats.org/drawingml/2006/main" xmlns:r="http://schemas.openxmlformats.org/officeDocument/2006/relationships" xmlns:mc="http://schemas.openxmlformats.org/markup-compatibility/2006" xmlns:mv="urn:schemas-microsoft-com:mac:vml" xmlns:p="http://schemas.openxmlformats.org/presentationml/2006/main" xmlns:c="http://schemas.openxmlformats.org/drawingml/2006/chart" xmlns:dgm="http://schemas.openxmlformats.org/drawingml/2006/diagram" xmlns:o="urn:schemas-microsoft-com:office:office" xmlns:v="urn:schemas-microsoft-com:vml" xmlns:pvml="urn:schemas-microsoft-com:office:powerpoint" xmlns:com="http://schemas.openxmlformats.org/drawingml/2006/compatibility" xmlns:p14="http://schemas.microsoft.com/office/powerpoint/2010/main" xmlns:p15="http://schemas.microsoft.com/office/powerpoint/2012/main" xmlns:ahyp="http://schemas.microsoft.com/office/drawing/2018/hyperlinkcolor">
   <p:cSld>
     <p:spTree>
       <p:nvGrpSpPr>
-        <p:cNvPr id="75" name="Shape 75"/>
+        <p:cNvPr id="97" name="Shape 97"/>
         <p:cNvGrpSpPr/>
         <p:nvPr/>
       </p:nvGrpSpPr>
@@ -5903,7 +6761,7 @@
       </p:grpSpPr>
       <p:sp>
         <p:nvSpPr>
-          <p:cNvPr id="76" name="Google Shape;76;p14"/>
+          <p:cNvPr id="98" name="Google Shape;98;p15"/>
           <p:cNvSpPr txBox="1"/>
           <p:nvPr>
             <p:ph type="title"/>
@@ -5943,7 +6801,7 @@
       </p:sp>
       <p:sp>
         <p:nvSpPr>
-          <p:cNvPr id="77" name="Google Shape;77;p14"/>
+          <p:cNvPr id="99" name="Google Shape;99;p15"/>
           <p:cNvSpPr txBox="1"/>
           <p:nvPr>
             <p:ph idx="1" type="body"/>
@@ -6118,7 +6976,7 @@
       </p:sp>
       <p:pic>
         <p:nvPicPr>
-          <p:cNvPr id="78" name="Google Shape;78;p14"/>
+          <p:cNvPr id="100" name="Google Shape;100;p15"/>
           <p:cNvPicPr preferRelativeResize="0"/>
           <p:nvPr/>
         </p:nvPicPr>
@@ -6146,7 +7004,7 @@
       </p:pic>
       <p:sp>
         <p:nvSpPr>
-          <p:cNvPr id="79" name="Google Shape;79;p14"/>
+          <p:cNvPr id="101" name="Google Shape;101;p15"/>
           <p:cNvSpPr txBox="1"/>
           <p:nvPr>
             <p:ph idx="12" type="sldNum"/>
@@ -6199,7 +7057,7 @@
                 </a:solidFill>
                 <a:hlinkClick r:id="rId11"/>
               </a:rPr>
-              <a:t>https://profriehle.com</a:t>
+              <a:t>https://oss.cs.fau.de</a:t>
             </a:r>
             <a:r>
               <a:rPr b="0" lang="en" sz="900">
@@ -6209,7 +7067,11 @@
               </a:rPr>
               <a:t> </a:t>
             </a:r>
-            <a:endParaRPr/>
+            <a:endParaRPr b="0" sz="900">
+              <a:solidFill>
+                <a:schemeClr val="dk2"/>
+              </a:solidFill>
+            </a:endParaRPr>
           </a:p>
         </p:txBody>
       </p:sp>
@@ -6221,12 +7083,12 @@
 </p:sld>
 </file>
 
-<file path=ppt/slides/slide8.xml><?xml version="1.0" encoding="utf-8"?>
+<file path=ppt/slides/slide9.xml><?xml version="1.0" encoding="utf-8"?>
 <p:sld xmlns:a="http://schemas.openxmlformats.org/drawingml/2006/main" xmlns:r="http://schemas.openxmlformats.org/officeDocument/2006/relationships" xmlns:mc="http://schemas.openxmlformats.org/markup-compatibility/2006" xmlns:mv="urn:schemas-microsoft-com:mac:vml" xmlns:p="http://schemas.openxmlformats.org/presentationml/2006/main" xmlns:c="http://schemas.openxmlformats.org/drawingml/2006/chart" xmlns:dgm="http://schemas.openxmlformats.org/drawingml/2006/diagram" xmlns:o="urn:schemas-microsoft-com:office:office" xmlns:v="urn:schemas-microsoft-com:vml" xmlns:pvml="urn:schemas-microsoft-com:office:powerpoint" xmlns:com="http://schemas.openxmlformats.org/drawingml/2006/compatibility" xmlns:p14="http://schemas.microsoft.com/office/powerpoint/2010/main" xmlns:p15="http://schemas.microsoft.com/office/powerpoint/2012/main" xmlns:ahyp="http://schemas.microsoft.com/office/drawing/2018/hyperlinkcolor">
   <p:cSld>
     <p:spTree>
       <p:nvGrpSpPr>
-        <p:cNvPr id="83" name="Shape 83"/>
+        <p:cNvPr id="105" name="Shape 105"/>
         <p:cNvGrpSpPr/>
         <p:nvPr/>
       </p:nvGrpSpPr>
@@ -6240,7 +7102,7 @@
       </p:grpSpPr>
       <p:sp>
         <p:nvSpPr>
-          <p:cNvPr id="84" name="Google Shape;84;p15"/>
+          <p:cNvPr id="106" name="Google Shape;106;p16"/>
           <p:cNvSpPr txBox="1"/>
           <p:nvPr>
             <p:ph type="title"/>
@@ -6280,7 +7142,7 @@
       </p:sp>
       <p:sp>
         <p:nvSpPr>
-          <p:cNvPr id="85" name="Google Shape;85;p15"/>
+          <p:cNvPr id="107" name="Google Shape;107;p16"/>
           <p:cNvSpPr txBox="1"/>
           <p:nvPr>
             <p:ph idx="12" type="sldNum"/>
@@ -6333,7 +7195,7 @@
                 </a:solidFill>
                 <a:hlinkClick r:id="rId3"/>
               </a:rPr>
-              <a:t>https://profriehle.com</a:t>
+              <a:t>https://oss.cs.fau.de</a:t>
             </a:r>
             <a:r>
               <a:rPr b="0" lang="en" sz="900">
@@ -6343,13 +7205,17 @@
               </a:rPr>
               <a:t> </a:t>
             </a:r>
-            <a:endParaRPr/>
+            <a:endParaRPr b="0" sz="900">
+              <a:solidFill>
+                <a:schemeClr val="dk2"/>
+              </a:solidFill>
+            </a:endParaRPr>
           </a:p>
         </p:txBody>
       </p:sp>
       <p:sp>
         <p:nvSpPr>
-          <p:cNvPr id="86" name="Google Shape;86;p15"/>
+          <p:cNvPr id="108" name="Google Shape;108;p16"/>
           <p:cNvSpPr txBox="1"/>
           <p:nvPr>
             <p:ph idx="1" type="body"/>
@@ -6474,7 +7340,7 @@
 </file>
 
 <file path=ppt/theme/theme1.xml><?xml version="1.0" encoding="utf-8"?>
-<a:theme xmlns:a="http://schemas.openxmlformats.org/drawingml/2006/main" xmlns:r="http://schemas.openxmlformats.org/officeDocument/2006/relationships" name="COACH Slides Template">
+<a:theme xmlns:a="http://schemas.openxmlformats.org/drawingml/2006/main" xmlns:r="http://schemas.openxmlformats.org/officeDocument/2006/relationships" name="POSS Slides Template">
   <a:themeElements>
     <a:clrScheme name="Simple Light">
       <a:dk1>
@@ -6496,19 +7362,19 @@
         <a:srgbClr val="4169E1"/>
       </a:accent2>
       <a:accent3>
-        <a:srgbClr val="D50D01"/>
+        <a:srgbClr val="4CAF50"/>
       </a:accent3>
       <a:accent4>
         <a:srgbClr val="FEB612"/>
       </a:accent4>
       <a:accent5>
-        <a:srgbClr val="4CAF50"/>
+        <a:srgbClr val="F36838"/>
       </a:accent5>
       <a:accent6>
         <a:srgbClr val="8E44AD"/>
       </a:accent6>
       <a:hlink>
-        <a:srgbClr val="34A3C5"/>
+        <a:srgbClr val="1E90FF"/>
       </a:hlink>
       <a:folHlink>
         <a:srgbClr val="0097A7"/>

--- a/Lecture Slides/COACH A03 - The First Team Meeting.pptx
+++ b/Lecture Slides/COACH A03 - The First Team Meeting.pptx
@@ -7340,6 +7340,285 @@
 </file>
 
 <file path=ppt/theme/theme1.xml><?xml version="1.0" encoding="utf-8"?>
+<a:theme xmlns:a="http://schemas.openxmlformats.org/drawingml/2006/main" xmlns:r="http://schemas.openxmlformats.org/officeDocument/2006/relationships">
+  <a:themeElements>
+    <a:clrScheme name="Default">
+      <a:dk1>
+        <a:srgbClr val="000000"/>
+      </a:dk1>
+      <a:lt1>
+        <a:srgbClr val="FFFFFF"/>
+      </a:lt1>
+      <a:dk2>
+        <a:srgbClr val="158158"/>
+      </a:dk2>
+      <a:lt2>
+        <a:srgbClr val="F3F3F3"/>
+      </a:lt2>
+      <a:accent1>
+        <a:srgbClr val="058DC7"/>
+      </a:accent1>
+      <a:accent2>
+        <a:srgbClr val="50B432"/>
+      </a:accent2>
+      <a:accent3>
+        <a:srgbClr val="ED561B"/>
+      </a:accent3>
+      <a:accent4>
+        <a:srgbClr val="EDEF00"/>
+      </a:accent4>
+      <a:accent5>
+        <a:srgbClr val="24CBE5"/>
+      </a:accent5>
+      <a:accent6>
+        <a:srgbClr val="64E572"/>
+      </a:accent6>
+      <a:hlink>
+        <a:srgbClr val="2200CC"/>
+      </a:hlink>
+      <a:folHlink>
+        <a:srgbClr val="551A8B"/>
+      </a:folHlink>
+    </a:clrScheme>
+    <a:fontScheme name="Office">
+      <a:majorFont>
+        <a:latin typeface="Arial"/>
+        <a:ea typeface=""/>
+        <a:cs typeface=""/>
+        <a:font script="Jpan" typeface="ＭＳ Ｐゴシック"/>
+        <a:font script="Hang" typeface="맑은 고딕"/>
+        <a:font script="Hans" typeface="宋体"/>
+        <a:font script="Hant" typeface="新細明體"/>
+        <a:font script="Arab" typeface="Times New Roman"/>
+        <a:font script="Hebr" typeface="Times New Roman"/>
+        <a:font script="Thai" typeface="Angsana New"/>
+        <a:font script="Ethi" typeface="Nyala"/>
+        <a:font script="Beng" typeface="Vrinda"/>
+        <a:font script="Gujr" typeface="Shruti"/>
+        <a:font script="Khmr" typeface="MoolBoran"/>
+        <a:font script="Knda" typeface="Tunga"/>
+        <a:font script="Guru" typeface="Raavi"/>
+        <a:font script="Cans" typeface="Euphemia"/>
+        <a:font script="Cher" typeface="Plantagenet Cherokee"/>
+        <a:font script="Yiii" typeface="Microsoft Yi Baiti"/>
+        <a:font script="Tibt" typeface="Microsoft Himalaya"/>
+        <a:font script="Thaa" typeface="MV Boli"/>
+        <a:font script="Deva" typeface="Mangal"/>
+        <a:font script="Telu" typeface="Gautami"/>
+        <a:font script="Taml" typeface="Latha"/>
+        <a:font script="Syrc" typeface="Estrangelo Edessa"/>
+        <a:font script="Orya" typeface="Kalinga"/>
+        <a:font script="Mlym" typeface="Kartika"/>
+        <a:font script="Laoo" typeface="DokChampa"/>
+        <a:font script="Sinh" typeface="Iskoola Pota"/>
+        <a:font script="Mong" typeface="Mongolian Baiti"/>
+        <a:font script="Viet" typeface="Times New Roman"/>
+        <a:font script="Uigh" typeface="Microsoft Uighur"/>
+        <a:font script="Geor" typeface="Sylfaen"/>
+      </a:majorFont>
+      <a:minorFont>
+        <a:latin typeface="Arial"/>
+        <a:ea typeface=""/>
+        <a:cs typeface=""/>
+        <a:font script="Jpan" typeface="ＭＳ Ｐゴシック"/>
+        <a:font script="Hang" typeface="맑은 고딕"/>
+        <a:font script="Hans" typeface="宋体"/>
+        <a:font script="Hant" typeface="新細明體"/>
+        <a:font script="Arab" typeface="Arial"/>
+        <a:font script="Hebr" typeface="Arial"/>
+        <a:font script="Thai" typeface="Cordia New"/>
+        <a:font script="Ethi" typeface="Nyala"/>
+        <a:font script="Beng" typeface="Vrinda"/>
+        <a:font script="Gujr" typeface="Shruti"/>
+        <a:font script="Khmr" typeface="DaunPenh"/>
+        <a:font script="Knda" typeface="Tunga"/>
+        <a:font script="Guru" typeface="Raavi"/>
+        <a:font script="Cans" typeface="Euphemia"/>
+        <a:font script="Cher" typeface="Plantagenet Cherokee"/>
+        <a:font script="Yiii" typeface="Microsoft Yi Baiti"/>
+        <a:font script="Tibt" typeface="Microsoft Himalaya"/>
+        <a:font script="Thaa" typeface="MV Boli"/>
+        <a:font script="Deva" typeface="Mangal"/>
+        <a:font script="Telu" typeface="Gautami"/>
+        <a:font script="Taml" typeface="Latha"/>
+        <a:font script="Syrc" typeface="Estrangelo Edessa"/>
+        <a:font script="Orya" typeface="Kalinga"/>
+        <a:font script="Mlym" typeface="Kartika"/>
+        <a:font script="Laoo" typeface="DokChampa"/>
+        <a:font script="Sinh" typeface="Iskoola Pota"/>
+        <a:font script="Mong" typeface="Mongolian Baiti"/>
+        <a:font script="Viet" typeface="Arial"/>
+        <a:font script="Uigh" typeface="Microsoft Uighur"/>
+        <a:font script="Geor" typeface="Sylfaen"/>
+      </a:minorFont>
+    </a:fontScheme>
+    <a:fmtScheme name="Office">
+      <a:fillStyleLst>
+        <a:solidFill>
+          <a:schemeClr val="phClr"/>
+        </a:solidFill>
+        <a:gradFill rotWithShape="1">
+          <a:gsLst>
+            <a:gs pos="0">
+              <a:schemeClr val="phClr">
+                <a:tint val="50000"/>
+                <a:satMod val="300000"/>
+              </a:schemeClr>
+            </a:gs>
+            <a:gs pos="35000">
+              <a:schemeClr val="phClr">
+                <a:tint val="37000"/>
+                <a:satMod val="300000"/>
+              </a:schemeClr>
+            </a:gs>
+            <a:gs pos="100000">
+              <a:schemeClr val="phClr">
+                <a:tint val="15000"/>
+                <a:satMod val="350000"/>
+              </a:schemeClr>
+            </a:gs>
+          </a:gsLst>
+          <a:lin ang="16200000" scaled="1"/>
+        </a:gradFill>
+        <a:gradFill rotWithShape="1">
+          <a:gsLst>
+            <a:gs pos="0">
+              <a:schemeClr val="phClr">
+                <a:tint val="100000"/>
+                <a:shade val="100000"/>
+                <a:satMod val="130000"/>
+              </a:schemeClr>
+            </a:gs>
+            <a:gs pos="100000">
+              <a:schemeClr val="phClr">
+                <a:tint val="50000"/>
+                <a:shade val="100000"/>
+                <a:satMod val="350000"/>
+              </a:schemeClr>
+            </a:gs>
+          </a:gsLst>
+          <a:lin ang="16200000" scaled="0"/>
+        </a:gradFill>
+      </a:fillStyleLst>
+      <a:lnStyleLst>
+        <a:ln w="9525" cap="flat" cmpd="sng" algn="ctr">
+          <a:solidFill>
+            <a:schemeClr val="phClr">
+              <a:shade val="95000"/>
+              <a:satMod val="105000"/>
+            </a:schemeClr>
+          </a:solidFill>
+          <a:prstDash val="solid"/>
+        </a:ln>
+        <a:ln w="25400" cap="flat" cmpd="sng" algn="ctr">
+          <a:solidFill>
+            <a:schemeClr val="phClr"/>
+          </a:solidFill>
+          <a:prstDash val="solid"/>
+        </a:ln>
+        <a:ln w="38100" cap="flat" cmpd="sng" algn="ctr">
+          <a:solidFill>
+            <a:schemeClr val="phClr"/>
+          </a:solidFill>
+          <a:prstDash val="solid"/>
+        </a:ln>
+      </a:lnStyleLst>
+      <a:effectStyleLst>
+        <a:effectStyle>
+          <a:effectLst>
+            <a:outerShdw blurRad="40000" dist="20000" dir="5400000" rotWithShape="0">
+              <a:srgbClr val="000000">
+                <a:alpha val="38000"/>
+              </a:srgbClr>
+            </a:outerShdw>
+          </a:effectLst>
+        </a:effectStyle>
+        <a:effectStyle>
+          <a:effectLst>
+            <a:outerShdw blurRad="40000" dist="23000" dir="5400000" rotWithShape="0">
+              <a:srgbClr val="000000">
+                <a:alpha val="35000"/>
+              </a:srgbClr>
+            </a:outerShdw>
+          </a:effectLst>
+        </a:effectStyle>
+        <a:effectStyle>
+          <a:effectLst>
+            <a:outerShdw blurRad="40000" dist="23000" dir="5400000" rotWithShape="0">
+              <a:srgbClr val="000000">
+                <a:alpha val="35000"/>
+              </a:srgbClr>
+            </a:outerShdw>
+          </a:effectLst>
+          <a:scene3d>
+            <a:camera prst="orthographicFront">
+              <a:rot lat="0" lon="0" rev="0"/>
+            </a:camera>
+            <a:lightRig rig="threePt" dir="t">
+              <a:rot lat="0" lon="0" rev="1200000"/>
+            </a:lightRig>
+          </a:scene3d>
+          <a:sp3d>
+            <a:bevelT w="63500" h="25400"/>
+          </a:sp3d>
+        </a:effectStyle>
+      </a:effectStyleLst>
+      <a:bgFillStyleLst>
+        <a:solidFill>
+          <a:schemeClr val="phClr"/>
+        </a:solidFill>
+        <a:gradFill rotWithShape="1">
+          <a:gsLst>
+            <a:gs pos="0">
+              <a:schemeClr val="phClr">
+                <a:tint val="40000"/>
+                <a:satMod val="350000"/>
+              </a:schemeClr>
+            </a:gs>
+            <a:gs pos="40000">
+              <a:schemeClr val="phClr">
+                <a:tint val="45000"/>
+                <a:shade val="99000"/>
+                <a:satMod val="350000"/>
+              </a:schemeClr>
+            </a:gs>
+            <a:gs pos="100000">
+              <a:schemeClr val="phClr">
+                <a:shade val="20000"/>
+                <a:satMod val="255000"/>
+              </a:schemeClr>
+            </a:gs>
+          </a:gsLst>
+          <a:path path="circle">
+            <a:fillToRect l="50000" t="-80000" r="50000" b="180000"/>
+          </a:path>
+        </a:gradFill>
+        <a:gradFill rotWithShape="1">
+          <a:gsLst>
+            <a:gs pos="0">
+              <a:schemeClr val="phClr">
+                <a:tint val="80000"/>
+                <a:satMod val="300000"/>
+              </a:schemeClr>
+            </a:gs>
+            <a:gs pos="100000">
+              <a:schemeClr val="phClr">
+                <a:shade val="30000"/>
+                <a:satMod val="200000"/>
+              </a:schemeClr>
+            </a:gs>
+          </a:gsLst>
+          <a:path path="circle">
+            <a:fillToRect l="50000" t="50000" r="50000" b="50000"/>
+          </a:path>
+        </a:gradFill>
+      </a:bgFillStyleLst>
+    </a:fmtScheme>
+  </a:themeElements>
+</a:theme>
+</file>
+
+<file path=ppt/theme/theme2.xml><?xml version="1.0" encoding="utf-8"?>
 <a:theme xmlns:a="http://schemas.openxmlformats.org/drawingml/2006/main" xmlns:r="http://schemas.openxmlformats.org/officeDocument/2006/relationships" name="POSS Slides Template">
   <a:themeElements>
     <a:clrScheme name="Simple Light">
@@ -7616,283 +7895,4 @@
     </a:fmtScheme>
   </a:themeElements>
 </a:theme>
-</file>
-
-<file path=ppt/theme/theme2.xml><?xml version="1.0" encoding="utf-8"?>
-<a:theme xmlns:a="http://schemas.openxmlformats.org/drawingml/2006/main" xmlns:r="http://schemas.openxmlformats.org/officeDocument/2006/relationships">
-  <a:themeElements>
-    <a:clrScheme name="Default">
-      <a:dk1>
-        <a:srgbClr val="000000"/>
-      </a:dk1>
-      <a:lt1>
-        <a:srgbClr val="FFFFFF"/>
-      </a:lt1>
-      <a:dk2>
-        <a:srgbClr val="158158"/>
-      </a:dk2>
-      <a:lt2>
-        <a:srgbClr val="F3F3F3"/>
-      </a:lt2>
-      <a:accent1>
-        <a:srgbClr val="058DC7"/>
-      </a:accent1>
-      <a:accent2>
-        <a:srgbClr val="50B432"/>
-      </a:accent2>
-      <a:accent3>
-        <a:srgbClr val="ED561B"/>
-      </a:accent3>
-      <a:accent4>
-        <a:srgbClr val="EDEF00"/>
-      </a:accent4>
-      <a:accent5>
-        <a:srgbClr val="24CBE5"/>
-      </a:accent5>
-      <a:accent6>
-        <a:srgbClr val="64E572"/>
-      </a:accent6>
-      <a:hlink>
-        <a:srgbClr val="2200CC"/>
-      </a:hlink>
-      <a:folHlink>
-        <a:srgbClr val="551A8B"/>
-      </a:folHlink>
-    </a:clrScheme>
-    <a:fontScheme name="Office">
-      <a:majorFont>
-        <a:latin typeface="Arial"/>
-        <a:ea typeface=""/>
-        <a:cs typeface=""/>
-        <a:font script="Jpan" typeface="ＭＳ Ｐゴシック"/>
-        <a:font script="Hang" typeface="맑은 고딕"/>
-        <a:font script="Hans" typeface="宋体"/>
-        <a:font script="Hant" typeface="新細明體"/>
-        <a:font script="Arab" typeface="Times New Roman"/>
-        <a:font script="Hebr" typeface="Times New Roman"/>
-        <a:font script="Thai" typeface="Angsana New"/>
-        <a:font script="Ethi" typeface="Nyala"/>
-        <a:font script="Beng" typeface="Vrinda"/>
-        <a:font script="Gujr" typeface="Shruti"/>
-        <a:font script="Khmr" typeface="MoolBoran"/>
-        <a:font script="Knda" typeface="Tunga"/>
-        <a:font script="Guru" typeface="Raavi"/>
-        <a:font script="Cans" typeface="Euphemia"/>
-        <a:font script="Cher" typeface="Plantagenet Cherokee"/>
-        <a:font script="Yiii" typeface="Microsoft Yi Baiti"/>
-        <a:font script="Tibt" typeface="Microsoft Himalaya"/>
-        <a:font script="Thaa" typeface="MV Boli"/>
-        <a:font script="Deva" typeface="Mangal"/>
-        <a:font script="Telu" typeface="Gautami"/>
-        <a:font script="Taml" typeface="Latha"/>
-        <a:font script="Syrc" typeface="Estrangelo Edessa"/>
-        <a:font script="Orya" typeface="Kalinga"/>
-        <a:font script="Mlym" typeface="Kartika"/>
-        <a:font script="Laoo" typeface="DokChampa"/>
-        <a:font script="Sinh" typeface="Iskoola Pota"/>
-        <a:font script="Mong" typeface="Mongolian Baiti"/>
-        <a:font script="Viet" typeface="Times New Roman"/>
-        <a:font script="Uigh" typeface="Microsoft Uighur"/>
-        <a:font script="Geor" typeface="Sylfaen"/>
-      </a:majorFont>
-      <a:minorFont>
-        <a:latin typeface="Arial"/>
-        <a:ea typeface=""/>
-        <a:cs typeface=""/>
-        <a:font script="Jpan" typeface="ＭＳ Ｐゴシック"/>
-        <a:font script="Hang" typeface="맑은 고딕"/>
-        <a:font script="Hans" typeface="宋体"/>
-        <a:font script="Hant" typeface="新細明體"/>
-        <a:font script="Arab" typeface="Arial"/>
-        <a:font script="Hebr" typeface="Arial"/>
-        <a:font script="Thai" typeface="Cordia New"/>
-        <a:font script="Ethi" typeface="Nyala"/>
-        <a:font script="Beng" typeface="Vrinda"/>
-        <a:font script="Gujr" typeface="Shruti"/>
-        <a:font script="Khmr" typeface="DaunPenh"/>
-        <a:font script="Knda" typeface="Tunga"/>
-        <a:font script="Guru" typeface="Raavi"/>
-        <a:font script="Cans" typeface="Euphemia"/>
-        <a:font script="Cher" typeface="Plantagenet Cherokee"/>
-        <a:font script="Yiii" typeface="Microsoft Yi Baiti"/>
-        <a:font script="Tibt" typeface="Microsoft Himalaya"/>
-        <a:font script="Thaa" typeface="MV Boli"/>
-        <a:font script="Deva" typeface="Mangal"/>
-        <a:font script="Telu" typeface="Gautami"/>
-        <a:font script="Taml" typeface="Latha"/>
-        <a:font script="Syrc" typeface="Estrangelo Edessa"/>
-        <a:font script="Orya" typeface="Kalinga"/>
-        <a:font script="Mlym" typeface="Kartika"/>
-        <a:font script="Laoo" typeface="DokChampa"/>
-        <a:font script="Sinh" typeface="Iskoola Pota"/>
-        <a:font script="Mong" typeface="Mongolian Baiti"/>
-        <a:font script="Viet" typeface="Arial"/>
-        <a:font script="Uigh" typeface="Microsoft Uighur"/>
-        <a:font script="Geor" typeface="Sylfaen"/>
-      </a:minorFont>
-    </a:fontScheme>
-    <a:fmtScheme name="Office">
-      <a:fillStyleLst>
-        <a:solidFill>
-          <a:schemeClr val="phClr"/>
-        </a:solidFill>
-        <a:gradFill rotWithShape="1">
-          <a:gsLst>
-            <a:gs pos="0">
-              <a:schemeClr val="phClr">
-                <a:tint val="50000"/>
-                <a:satMod val="300000"/>
-              </a:schemeClr>
-            </a:gs>
-            <a:gs pos="35000">
-              <a:schemeClr val="phClr">
-                <a:tint val="37000"/>
-                <a:satMod val="300000"/>
-              </a:schemeClr>
-            </a:gs>
-            <a:gs pos="100000">
-              <a:schemeClr val="phClr">
-                <a:tint val="15000"/>
-                <a:satMod val="350000"/>
-              </a:schemeClr>
-            </a:gs>
-          </a:gsLst>
-          <a:lin ang="16200000" scaled="1"/>
-        </a:gradFill>
-        <a:gradFill rotWithShape="1">
-          <a:gsLst>
-            <a:gs pos="0">
-              <a:schemeClr val="phClr">
-                <a:tint val="100000"/>
-                <a:shade val="100000"/>
-                <a:satMod val="130000"/>
-              </a:schemeClr>
-            </a:gs>
-            <a:gs pos="100000">
-              <a:schemeClr val="phClr">
-                <a:tint val="50000"/>
-                <a:shade val="100000"/>
-                <a:satMod val="350000"/>
-              </a:schemeClr>
-            </a:gs>
-          </a:gsLst>
-          <a:lin ang="16200000" scaled="0"/>
-        </a:gradFill>
-      </a:fillStyleLst>
-      <a:lnStyleLst>
-        <a:ln w="9525" cap="flat" cmpd="sng" algn="ctr">
-          <a:solidFill>
-            <a:schemeClr val="phClr">
-              <a:shade val="95000"/>
-              <a:satMod val="105000"/>
-            </a:schemeClr>
-          </a:solidFill>
-          <a:prstDash val="solid"/>
-        </a:ln>
-        <a:ln w="25400" cap="flat" cmpd="sng" algn="ctr">
-          <a:solidFill>
-            <a:schemeClr val="phClr"/>
-          </a:solidFill>
-          <a:prstDash val="solid"/>
-        </a:ln>
-        <a:ln w="38100" cap="flat" cmpd="sng" algn="ctr">
-          <a:solidFill>
-            <a:schemeClr val="phClr"/>
-          </a:solidFill>
-          <a:prstDash val="solid"/>
-        </a:ln>
-      </a:lnStyleLst>
-      <a:effectStyleLst>
-        <a:effectStyle>
-          <a:effectLst>
-            <a:outerShdw blurRad="40000" dist="20000" dir="5400000" rotWithShape="0">
-              <a:srgbClr val="000000">
-                <a:alpha val="38000"/>
-              </a:srgbClr>
-            </a:outerShdw>
-          </a:effectLst>
-        </a:effectStyle>
-        <a:effectStyle>
-          <a:effectLst>
-            <a:outerShdw blurRad="40000" dist="23000" dir="5400000" rotWithShape="0">
-              <a:srgbClr val="000000">
-                <a:alpha val="35000"/>
-              </a:srgbClr>
-            </a:outerShdw>
-          </a:effectLst>
-        </a:effectStyle>
-        <a:effectStyle>
-          <a:effectLst>
-            <a:outerShdw blurRad="40000" dist="23000" dir="5400000" rotWithShape="0">
-              <a:srgbClr val="000000">
-                <a:alpha val="35000"/>
-              </a:srgbClr>
-            </a:outerShdw>
-          </a:effectLst>
-          <a:scene3d>
-            <a:camera prst="orthographicFront">
-              <a:rot lat="0" lon="0" rev="0"/>
-            </a:camera>
-            <a:lightRig rig="threePt" dir="t">
-              <a:rot lat="0" lon="0" rev="1200000"/>
-            </a:lightRig>
-          </a:scene3d>
-          <a:sp3d>
-            <a:bevelT w="63500" h="25400"/>
-          </a:sp3d>
-        </a:effectStyle>
-      </a:effectStyleLst>
-      <a:bgFillStyleLst>
-        <a:solidFill>
-          <a:schemeClr val="phClr"/>
-        </a:solidFill>
-        <a:gradFill rotWithShape="1">
-          <a:gsLst>
-            <a:gs pos="0">
-              <a:schemeClr val="phClr">
-                <a:tint val="40000"/>
-                <a:satMod val="350000"/>
-              </a:schemeClr>
-            </a:gs>
-            <a:gs pos="40000">
-              <a:schemeClr val="phClr">
-                <a:tint val="45000"/>
-                <a:shade val="99000"/>
-                <a:satMod val="350000"/>
-              </a:schemeClr>
-            </a:gs>
-            <a:gs pos="100000">
-              <a:schemeClr val="phClr">
-                <a:shade val="20000"/>
-                <a:satMod val="255000"/>
-              </a:schemeClr>
-            </a:gs>
-          </a:gsLst>
-          <a:path path="circle">
-            <a:fillToRect l="50000" t="-80000" r="50000" b="180000"/>
-          </a:path>
-        </a:gradFill>
-        <a:gradFill rotWithShape="1">
-          <a:gsLst>
-            <a:gs pos="0">
-              <a:schemeClr val="phClr">
-                <a:tint val="80000"/>
-                <a:satMod val="300000"/>
-              </a:schemeClr>
-            </a:gs>
-            <a:gs pos="100000">
-              <a:schemeClr val="phClr">
-                <a:shade val="30000"/>
-                <a:satMod val="200000"/>
-              </a:schemeClr>
-            </a:gs>
-          </a:gsLst>
-          <a:path path="circle">
-            <a:fillToRect l="50000" t="50000" r="50000" b="50000"/>
-          </a:path>
-        </a:gradFill>
-      </a:bgFillStyleLst>
-    </a:fmtScheme>
-  </a:themeElements>
-</a:theme>
 </file>